--- a/2017秋季/数学/三年级/3上7单元典型例题讲练.pptx
+++ b/2017秋季/数学/三年级/3上7单元典型例题讲练.pptx
@@ -5,17 +5,19 @@
     <p:sldMasterId id="2147483648" r:id="rId1"/>
   </p:sldMasterIdLst>
   <p:notesMasterIdLst>
-    <p:notesMasterId r:id="rId7"/>
+    <p:notesMasterId r:id="rId9"/>
   </p:notesMasterIdLst>
   <p:handoutMasterIdLst>
-    <p:handoutMasterId r:id="rId8"/>
+    <p:handoutMasterId r:id="rId10"/>
   </p:handoutMasterIdLst>
   <p:sldIdLst>
     <p:sldId id="1463" r:id="rId2"/>
-    <p:sldId id="1778" r:id="rId3"/>
-    <p:sldId id="1779" r:id="rId4"/>
-    <p:sldId id="1780" r:id="rId5"/>
-    <p:sldId id="1781" r:id="rId6"/>
+    <p:sldId id="1783" r:id="rId3"/>
+    <p:sldId id="1778" r:id="rId4"/>
+    <p:sldId id="1779" r:id="rId5"/>
+    <p:sldId id="1780" r:id="rId6"/>
+    <p:sldId id="1782" r:id="rId7"/>
+    <p:sldId id="1781" r:id="rId8"/>
   </p:sldIdLst>
   <p:sldSz cx="9144000" cy="6858000" type="screen4x3"/>
   <p:notesSz cx="6858000" cy="9144000"/>
@@ -1006,7 +1008,7 @@
               <a:pPr>
                 <a:defRPr/>
               </a:pPr>
-              <a:t>2</a:t>
+              <a:t>3</a:t>
             </a:fld>
             <a:endParaRPr lang="en-US" sz="1200"/>
           </a:p>
@@ -1130,7 +1132,7 @@
               <a:pPr>
                 <a:defRPr/>
               </a:pPr>
-              <a:t>3</a:t>
+              <a:t>4</a:t>
             </a:fld>
             <a:endParaRPr lang="en-US" sz="1200"/>
           </a:p>
@@ -1254,7 +1256,7 @@
               <a:pPr>
                 <a:defRPr/>
               </a:pPr>
-              <a:t>4</a:t>
+              <a:t>5</a:t>
             </a:fld>
             <a:endParaRPr lang="en-US" sz="1200"/>
           </a:p>
@@ -1378,7 +1380,131 @@
               <a:pPr>
                 <a:defRPr/>
               </a:pPr>
-              <a:t>5</a:t>
+              <a:t>6</a:t>
+            </a:fld>
+            <a:endParaRPr lang="en-US" sz="1200"/>
+          </a:p>
+        </p:txBody>
+      </p:sp>
+    </p:spTree>
+  </p:cSld>
+  <p:clrMapOvr>
+    <a:masterClrMapping/>
+  </p:clrMapOvr>
+</p:notes>
+</file>
+
+<file path=ppt/notesSlides/notesSlide6.xml><?xml version="1.0" encoding="utf-8"?>
+<p:notes xmlns:a="http://schemas.openxmlformats.org/drawingml/2006/main" xmlns:r="http://schemas.openxmlformats.org/officeDocument/2006/relationships" xmlns:p="http://schemas.openxmlformats.org/presentationml/2006/main">
+  <p:cSld>
+    <p:spTree>
+      <p:nvGrpSpPr>
+        <p:cNvPr id="1" name=""/>
+        <p:cNvGrpSpPr/>
+        <p:nvPr/>
+      </p:nvGrpSpPr>
+      <p:grpSpPr>
+        <a:xfrm>
+          <a:off x="0" y="0"/>
+          <a:ext cx="0" cy="0"/>
+          <a:chOff x="0" y="0"/>
+          <a:chExt cx="0" cy="0"/>
+        </a:xfrm>
+      </p:grpSpPr>
+      <p:sp>
+        <p:nvSpPr>
+          <p:cNvPr id="2" name="幻灯片图像占位符 1"/>
+          <p:cNvSpPr>
+            <a:spLocks noGrp="1" noRot="1" noChangeAspect="1"/>
+          </p:cNvSpPr>
+          <p:nvPr>
+            <p:ph type="sldImg"/>
+          </p:nvPr>
+        </p:nvSpPr>
+        <p:spPr/>
+      </p:sp>
+      <p:sp>
+        <p:nvSpPr>
+          <p:cNvPr id="3" name="备注占位符 2"/>
+          <p:cNvSpPr>
+            <a:spLocks noGrp="1"/>
+          </p:cNvSpPr>
+          <p:nvPr>
+            <p:ph type="body" idx="1"/>
+          </p:nvPr>
+        </p:nvSpPr>
+        <p:spPr>
+          <a:xfrm>
+            <a:off x="685800" y="4343400"/>
+            <a:ext cx="5486400" cy="4114800"/>
+          </a:xfrm>
+          <a:prstGeom prst="rect">
+            <a:avLst/>
+          </a:prstGeom>
+        </p:spPr>
+        <p:txBody>
+          <a:bodyPr>
+            <a:normAutofit/>
+          </a:bodyPr>
+          <a:lstStyle/>
+          <a:p>
+            <a:endParaRPr lang="zh-CN" altLang="en-US" dirty="0"/>
+          </a:p>
+        </p:txBody>
+      </p:sp>
+      <p:sp>
+        <p:nvSpPr>
+          <p:cNvPr id="4" name="日期占位符 3"/>
+          <p:cNvSpPr>
+            <a:spLocks noGrp="1"/>
+          </p:cNvSpPr>
+          <p:nvPr>
+            <p:ph type="dt" idx="10"/>
+          </p:nvPr>
+        </p:nvSpPr>
+        <p:spPr/>
+        <p:txBody>
+          <a:bodyPr/>
+          <a:lstStyle/>
+          <a:p>
+            <a:pPr>
+              <a:defRPr/>
+            </a:pPr>
+            <a:fld id="{0C6955FD-4490-4F17-AC9E-FD3469BAD424}" type="datetime1">
+              <a:rPr lang="en-US" smtClean="0"/>
+              <a:pPr>
+                <a:defRPr/>
+              </a:pPr>
+              <a:t>12/7/2017</a:t>
+            </a:fld>
+            <a:endParaRPr lang="en-US" sz="1200"/>
+          </a:p>
+        </p:txBody>
+      </p:sp>
+      <p:sp>
+        <p:nvSpPr>
+          <p:cNvPr id="5" name="灯片编号占位符 4"/>
+          <p:cNvSpPr>
+            <a:spLocks noGrp="1"/>
+          </p:cNvSpPr>
+          <p:nvPr>
+            <p:ph type="sldNum" sz="quarter" idx="11"/>
+          </p:nvPr>
+        </p:nvSpPr>
+        <p:spPr/>
+        <p:txBody>
+          <a:bodyPr/>
+          <a:lstStyle/>
+          <a:p>
+            <a:pPr>
+              <a:defRPr/>
+            </a:pPr>
+            <a:fld id="{7C0DD3FD-A2FC-433B-898C-DAF12D87502A}" type="slidenum">
+              <a:rPr lang="en-US" smtClean="0"/>
+              <a:pPr>
+                <a:defRPr/>
+              </a:pPr>
+              <a:t>7</a:t>
             </a:fld>
             <a:endParaRPr lang="en-US" sz="1200"/>
           </a:p>
@@ -3430,6 +3556,71 @@
           </a:ln>
         </p:spPr>
       </p:pic>
+      <p:sp>
+        <p:nvSpPr>
+          <p:cNvPr id="11" name="Rectangle 8"/>
+          <p:cNvSpPr>
+            <a:spLocks noChangeArrowheads="1"/>
+          </p:cNvSpPr>
+          <p:nvPr userDrawn="1"/>
+        </p:nvSpPr>
+        <p:spPr bwMode="auto">
+          <a:xfrm>
+            <a:off x="6429388" y="6500834"/>
+            <a:ext cx="2192337" cy="323850"/>
+          </a:xfrm>
+          <a:prstGeom prst="rect">
+            <a:avLst/>
+          </a:prstGeom>
+          <a:noFill/>
+          <a:ln w="9525">
+            <a:noFill/>
+            <a:miter lim="800000"/>
+          </a:ln>
+        </p:spPr>
+        <p:txBody>
+          <a:bodyPr anchor="b"/>
+          <a:lstStyle/>
+          <a:p>
+            <a:pPr defTabSz="-635" eaLnBrk="0" hangingPunct="0">
+              <a:tabLst>
+                <a:tab pos="1371600" algn="l"/>
+              </a:tabLst>
+              <a:defRPr/>
+            </a:pPr>
+            <a:r>
+              <a:rPr lang="zh-CN" altLang="en-US" sz="1200" i="0" dirty="0" smtClean="0">
+                <a:solidFill>
+                  <a:srgbClr val="000000"/>
+                </a:solidFill>
+                <a:latin typeface="楷体" pitchFamily="49" charset="-122"/>
+                <a:ea typeface="楷体" pitchFamily="49" charset="-122"/>
+                <a:sym typeface="宋体" pitchFamily="2" charset="-122"/>
+              </a:rPr>
+              <a:t>咨询电话：</a:t>
+            </a:r>
+            <a:r>
+              <a:rPr lang="en-US" altLang="zh-CN" sz="1200" i="0" dirty="0" smtClean="0">
+                <a:solidFill>
+                  <a:srgbClr val="000000"/>
+                </a:solidFill>
+                <a:latin typeface="楷体" pitchFamily="49" charset="-122"/>
+                <a:ea typeface="楷体" pitchFamily="49" charset="-122"/>
+                <a:sym typeface="宋体" pitchFamily="2" charset="-122"/>
+              </a:rPr>
+              <a:t>0539-8088365</a:t>
+            </a:r>
+            <a:endParaRPr lang="en-US" sz="1200" i="0" dirty="0">
+              <a:solidFill>
+                <a:srgbClr val="000000"/>
+              </a:solidFill>
+              <a:latin typeface="楷体" pitchFamily="49" charset="-122"/>
+              <a:ea typeface="楷体" pitchFamily="49" charset="-122"/>
+              <a:sym typeface="宋体" pitchFamily="2" charset="-122"/>
+            </a:endParaRPr>
+          </a:p>
+        </p:txBody>
+      </p:sp>
     </p:spTree>
   </p:cSld>
   <p:clrMap bg1="lt1" tx1="dk1" bg2="lt2" tx2="dk2" accent1="accent1" accent2="accent2" accent3="accent3" accent4="accent4" accent5="accent5" accent6="accent6" hlink="hlink" folHlink="folHlink"/>
@@ -4247,34 +4438,7 @@
                 </a:solidFill>
                 <a:sym typeface="微软雅黑" pitchFamily="34" charset="-122"/>
               </a:rPr>
-              <a:t>年级上册典型例题</a:t>
-            </a:r>
-            <a:r>
-              <a:rPr lang="zh-CN" altLang="en-US" sz="2700" dirty="0" smtClean="0">
-                <a:solidFill>
-                  <a:srgbClr val="002060"/>
-                </a:solidFill>
-                <a:sym typeface="微软雅黑" pitchFamily="34" charset="-122"/>
-              </a:rPr>
-              <a:t>精讲</a:t>
-            </a:r>
-            <a:r>
-              <a:rPr lang="zh-CN" altLang="en-US" sz="2700" dirty="0" smtClean="0">
-                <a:solidFill>
-                  <a:srgbClr val="002060"/>
-                </a:solidFill>
-                <a:sym typeface="微软雅黑" pitchFamily="34" charset="-122"/>
-              </a:rPr>
-              <a:t>精练</a:t>
-            </a:r>
-            <a:r>
-              <a:rPr lang="zh-CN" altLang="en-US" sz="2700" dirty="0" smtClean="0">
-                <a:solidFill>
-                  <a:srgbClr val="002060"/>
-                </a:solidFill>
-                <a:sym typeface="微软雅黑" pitchFamily="34" charset="-122"/>
-              </a:rPr>
-              <a:t/>
+              <a:t>年级上册典型例题精讲精练</a:t>
             </a:r>
             <a:br>
               <a:rPr lang="zh-CN" altLang="en-US" sz="2700" dirty="0" smtClean="0">
@@ -4394,12 +4558,12 @@
       </p:grpSpPr>
       <p:sp>
         <p:nvSpPr>
-          <p:cNvPr id="3074" name="标题 2"/>
-          <p:cNvSpPr>
-            <a:spLocks noGrp="1" noChangeArrowheads="1"/>
+          <p:cNvPr id="2" name="标题 1"/>
+          <p:cNvSpPr>
+            <a:spLocks noGrp="1"/>
           </p:cNvSpPr>
           <p:nvPr>
-            <p:ph type="title" idx="4294967295"/>
+            <p:ph type="title"/>
           </p:nvPr>
         </p:nvSpPr>
         <p:spPr/>
@@ -4408,359 +4572,493 @@
           <a:lstStyle/>
           <a:p>
             <a:r>
-              <a:rPr lang="en-US" altLang="zh-CN" dirty="0" smtClean="0"/>
-              <a:t>G3AU7E01 </a:t>
-            </a:r>
-            <a:r>
               <a:rPr lang="zh-CN" altLang="en-US" dirty="0" smtClean="0"/>
-              <a:t>例题</a:t>
-            </a:r>
-            <a:r>
-              <a:rPr lang="en-US" altLang="zh-CN" dirty="0" smtClean="0"/>
-              <a:t>1</a:t>
-            </a:r>
-            <a:endParaRPr lang="zh-CN" altLang="en-US" dirty="0" smtClean="0"/>
-          </a:p>
-        </p:txBody>
-      </p:sp>
-      <p:sp>
-        <p:nvSpPr>
-          <p:cNvPr id="3075" name="矩形 6"/>
-          <p:cNvSpPr>
-            <a:spLocks noChangeArrowheads="1"/>
-          </p:cNvSpPr>
+              <a:t>学习目标导航</a:t>
+            </a:r>
+            <a:endParaRPr lang="zh-CN" altLang="en-US" dirty="0"/>
+          </a:p>
+        </p:txBody>
+      </p:sp>
+      <p:graphicFrame>
+        <p:nvGraphicFramePr>
+          <p:cNvPr id="4" name="表格 3"/>
+          <p:cNvGraphicFramePr>
+            <a:graphicFrameLocks noGrp="1"/>
+          </p:cNvGraphicFramePr>
           <p:nvPr/>
-        </p:nvSpPr>
-        <p:spPr bwMode="auto">
-          <a:xfrm>
-            <a:off x="1196975" y="6026150"/>
-            <a:ext cx="111125" cy="280988"/>
-          </a:xfrm>
-          <a:prstGeom prst="rect">
-            <a:avLst/>
-          </a:prstGeom>
-          <a:solidFill>
-            <a:srgbClr val="FFFFFF"/>
-          </a:solidFill>
-          <a:ln w="9525">
-            <a:noFill/>
-            <a:miter lim="800000"/>
-          </a:ln>
-        </p:spPr>
-        <p:txBody>
-          <a:bodyPr/>
-          <a:lstStyle/>
-          <a:p>
-            <a:endParaRPr lang="zh-CN" altLang="zh-CN">
-              <a:solidFill>
-                <a:srgbClr val="000000"/>
-              </a:solidFill>
-              <a:ea typeface="黑体" pitchFamily="49" charset="-122"/>
-            </a:endParaRPr>
-          </a:p>
-        </p:txBody>
-      </p:sp>
-      <p:sp>
-        <p:nvSpPr>
-          <p:cNvPr id="3076" name="矩形 7"/>
-          <p:cNvSpPr>
-            <a:spLocks noChangeArrowheads="1"/>
-          </p:cNvSpPr>
-          <p:nvPr/>
-        </p:nvSpPr>
-        <p:spPr bwMode="auto">
-          <a:xfrm>
-            <a:off x="3121025" y="6022975"/>
-            <a:ext cx="111125" cy="280988"/>
-          </a:xfrm>
-          <a:prstGeom prst="rect">
-            <a:avLst/>
-          </a:prstGeom>
-          <a:solidFill>
-            <a:srgbClr val="FFFFFF"/>
-          </a:solidFill>
-          <a:ln w="9525">
-            <a:noFill/>
-            <a:miter lim="800000"/>
-          </a:ln>
-        </p:spPr>
-        <p:txBody>
-          <a:bodyPr/>
-          <a:lstStyle/>
-          <a:p>
-            <a:endParaRPr lang="zh-CN" altLang="zh-CN">
-              <a:solidFill>
-                <a:srgbClr val="000000"/>
-              </a:solidFill>
-              <a:ea typeface="黑体" pitchFamily="49" charset="-122"/>
-            </a:endParaRPr>
-          </a:p>
-        </p:txBody>
-      </p:sp>
-      <p:sp>
-        <p:nvSpPr>
-          <p:cNvPr id="3077" name="TextBox 6"/>
-          <p:cNvSpPr>
-            <a:spLocks noChangeArrowheads="1"/>
-          </p:cNvSpPr>
-          <p:nvPr/>
-        </p:nvSpPr>
-        <p:spPr bwMode="auto">
-          <a:xfrm>
-            <a:off x="571472" y="928670"/>
-            <a:ext cx="8215370" cy="830997"/>
-          </a:xfrm>
-          <a:prstGeom prst="rect">
-            <a:avLst/>
-          </a:prstGeom>
-          <a:noFill/>
-          <a:ln w="9525">
-            <a:noFill/>
-            <a:miter lim="800000"/>
-          </a:ln>
-        </p:spPr>
-        <p:txBody>
-          <a:bodyPr wrap="square">
-            <a:spAutoFit/>
-          </a:bodyPr>
-          <a:lstStyle/>
-          <a:p>
-            <a:r>
-              <a:rPr lang="en-US" altLang="zh-CN" sz="2400" dirty="0" smtClean="0"/>
-              <a:t>	</a:t>
-            </a:r>
-            <a:r>
-              <a:rPr lang="zh-CN" altLang="en-US" sz="2400" dirty="0" smtClean="0"/>
-              <a:t>长方形操场的宽是</a:t>
-            </a:r>
-            <a:r>
-              <a:rPr lang="en-US" altLang="zh-CN" sz="2400" dirty="0" smtClean="0"/>
-              <a:t>50</a:t>
-            </a:r>
-            <a:r>
-              <a:rPr lang="zh-CN" altLang="en-US" sz="2400" dirty="0" smtClean="0"/>
-              <a:t>米，长是宽的</a:t>
-            </a:r>
-            <a:r>
-              <a:rPr lang="en-US" altLang="zh-CN" sz="2400" dirty="0" smtClean="0"/>
-              <a:t>3</a:t>
-            </a:r>
-            <a:r>
-              <a:rPr lang="zh-CN" altLang="en-US" sz="2400" dirty="0" smtClean="0"/>
-              <a:t>倍，这个操场的周长是多少？</a:t>
-            </a:r>
-            <a:endParaRPr lang="zh-CN" altLang="en-US" sz="2400" dirty="0"/>
-          </a:p>
-        </p:txBody>
-      </p:sp>
-      <p:sp>
-        <p:nvSpPr>
-          <p:cNvPr id="6" name="TextBox 6"/>
-          <p:cNvSpPr>
-            <a:spLocks noChangeArrowheads="1"/>
-          </p:cNvSpPr>
-          <p:nvPr/>
-        </p:nvSpPr>
-        <p:spPr bwMode="auto">
-          <a:xfrm>
-            <a:off x="571472" y="1928802"/>
-            <a:ext cx="8215370" cy="4524315"/>
-          </a:xfrm>
-          <a:prstGeom prst="rect">
-            <a:avLst/>
-          </a:prstGeom>
-          <a:noFill/>
-          <a:ln w="9525">
-            <a:noFill/>
-            <a:miter lim="800000"/>
-          </a:ln>
-        </p:spPr>
-        <p:txBody>
-          <a:bodyPr wrap="square">
-            <a:spAutoFit/>
-          </a:bodyPr>
-          <a:lstStyle/>
-          <a:p>
-            <a:r>
-              <a:rPr lang="zh-CN" altLang="en-US" sz="2400" dirty="0" smtClean="0"/>
-              <a:t>解题思路</a:t>
-            </a:r>
-            <a:r>
-              <a:rPr lang="en-US" altLang="zh-CN" sz="2400" dirty="0" smtClean="0"/>
-              <a:t>:</a:t>
-            </a:r>
-            <a:endParaRPr lang="en-US" altLang="zh-CN" sz="2400" dirty="0" smtClean="0"/>
-          </a:p>
-          <a:p>
-            <a:r>
-              <a:rPr lang="zh-CN" altLang="en-US" sz="2400" dirty="0" smtClean="0"/>
-              <a:t>根据长方形的周长公式进行计算</a:t>
-            </a:r>
-            <a:endParaRPr lang="en-US" altLang="zh-CN" sz="2400" dirty="0" smtClean="0"/>
-          </a:p>
-          <a:p>
-            <a:r>
-              <a:rPr lang="zh-CN" altLang="en-US" sz="2400" dirty="0" smtClean="0"/>
-              <a:t>长方形的周长</a:t>
-            </a:r>
-            <a:r>
-              <a:rPr lang="en-US" altLang="zh-CN" sz="2400" dirty="0" smtClean="0"/>
-              <a:t>=</a:t>
-            </a:r>
-            <a:r>
-              <a:rPr lang="zh-CN" altLang="en-US" sz="2400" dirty="0" smtClean="0"/>
-              <a:t>（长＋宽）</a:t>
-            </a:r>
-            <a:r>
-              <a:rPr lang="en-US" altLang="zh-CN" sz="2400" dirty="0" smtClean="0"/>
-              <a:t>×2</a:t>
-            </a:r>
-          </a:p>
-          <a:p>
-            <a:r>
-              <a:rPr lang="zh-CN" altLang="en-US" sz="2400" dirty="0" smtClean="0"/>
-              <a:t>题中给出了宽是</a:t>
-            </a:r>
-            <a:r>
-              <a:rPr lang="en-US" altLang="zh-CN" sz="2400" dirty="0" smtClean="0"/>
-              <a:t>50</a:t>
-            </a:r>
-            <a:r>
-              <a:rPr lang="zh-CN" altLang="en-US" sz="2400" dirty="0" smtClean="0"/>
-              <a:t>米，长可以通过题中描述计算出来，知道长和宽便可以根据长方形的周长公式求出结果。</a:t>
-            </a:r>
-            <a:endParaRPr lang="en-US" altLang="zh-CN" sz="2400" dirty="0" smtClean="0"/>
-          </a:p>
-          <a:p>
-            <a:r>
-              <a:rPr lang="zh-CN" altLang="en-US" sz="2400" dirty="0" smtClean="0"/>
-              <a:t>解：</a:t>
-            </a:r>
-            <a:endParaRPr lang="en-US" altLang="zh-CN" sz="2400" dirty="0" smtClean="0"/>
-          </a:p>
-          <a:p>
-            <a:r>
-              <a:rPr lang="en-US" altLang="zh-CN" sz="2400" dirty="0" smtClean="0"/>
-              <a:t>	</a:t>
-            </a:r>
-            <a:r>
-              <a:rPr lang="zh-CN" altLang="en-US" sz="2400" dirty="0" smtClean="0"/>
-              <a:t>长</a:t>
-            </a:r>
-            <a:r>
-              <a:rPr lang="en-US" altLang="zh-CN" sz="2400" dirty="0" smtClean="0"/>
-              <a:t>=3×</a:t>
-            </a:r>
-            <a:r>
-              <a:rPr lang="zh-CN" altLang="en-US" sz="2400" dirty="0" smtClean="0"/>
-              <a:t>宽</a:t>
-            </a:r>
-            <a:r>
-              <a:rPr lang="en-US" altLang="zh-CN" sz="2400" dirty="0" smtClean="0"/>
-              <a:t>=3×50=150</a:t>
-            </a:r>
-            <a:r>
-              <a:rPr lang="zh-CN" altLang="en-US" sz="2400" dirty="0" smtClean="0"/>
-              <a:t>（米）</a:t>
-            </a:r>
-            <a:endParaRPr lang="en-US" altLang="zh-CN" sz="2400" dirty="0" smtClean="0"/>
-          </a:p>
-          <a:p>
-            <a:r>
-              <a:rPr lang="en-US" altLang="zh-CN" sz="2400" dirty="0" smtClean="0"/>
-              <a:t>	</a:t>
-            </a:r>
-            <a:r>
-              <a:rPr lang="zh-CN" altLang="en-US" sz="2400" dirty="0" smtClean="0"/>
-              <a:t>周长</a:t>
-            </a:r>
-            <a:r>
-              <a:rPr lang="en-US" altLang="zh-CN" sz="2400" dirty="0" smtClean="0"/>
-              <a:t>=</a:t>
-            </a:r>
-            <a:r>
-              <a:rPr lang="zh-CN" altLang="en-US" sz="2400" dirty="0" smtClean="0"/>
-              <a:t>（长＋宽）</a:t>
-            </a:r>
-            <a:r>
-              <a:rPr lang="en-US" altLang="zh-CN" sz="2400" dirty="0" smtClean="0"/>
-              <a:t>×2 </a:t>
-            </a:r>
-          </a:p>
-          <a:p>
-            <a:r>
-              <a:rPr lang="en-US" altLang="zh-CN" sz="2400" dirty="0" smtClean="0"/>
-              <a:t>	       = </a:t>
-            </a:r>
-            <a:r>
-              <a:rPr lang="zh-CN" altLang="en-US" sz="2400" dirty="0" smtClean="0"/>
-              <a:t>（</a:t>
-            </a:r>
-            <a:r>
-              <a:rPr lang="en-US" altLang="zh-CN" sz="2400" dirty="0" smtClean="0"/>
-              <a:t>150</a:t>
-            </a:r>
-            <a:r>
-              <a:rPr lang="zh-CN" altLang="en-US" sz="2400" dirty="0" smtClean="0"/>
-              <a:t>＋</a:t>
-            </a:r>
-            <a:r>
-              <a:rPr lang="en-US" altLang="zh-CN" sz="2400" dirty="0" smtClean="0"/>
-              <a:t>50</a:t>
-            </a:r>
-            <a:r>
-              <a:rPr lang="zh-CN" altLang="en-US" sz="2400" dirty="0" smtClean="0"/>
-              <a:t>）</a:t>
-            </a:r>
-            <a:r>
-              <a:rPr lang="en-US" altLang="zh-CN" sz="2400" dirty="0" smtClean="0"/>
-              <a:t>×2</a:t>
-            </a:r>
-          </a:p>
-          <a:p>
-            <a:r>
-              <a:rPr lang="en-US" altLang="zh-CN" sz="2400" dirty="0" smtClean="0"/>
-              <a:t>                  =200×2</a:t>
-            </a:r>
-          </a:p>
-          <a:p>
-            <a:r>
-              <a:rPr lang="en-US" altLang="zh-CN" sz="2400" dirty="0" smtClean="0"/>
-              <a:t>                  =400</a:t>
-            </a:r>
-            <a:r>
-              <a:rPr lang="zh-CN" altLang="en-US" sz="2400" dirty="0" smtClean="0"/>
-              <a:t>（米）</a:t>
-            </a:r>
-            <a:endParaRPr lang="en-US" altLang="zh-CN" sz="2400" dirty="0" smtClean="0"/>
-          </a:p>
-          <a:p>
-            <a:r>
-              <a:rPr lang="en-US" altLang="zh-CN" sz="2400" dirty="0" smtClean="0"/>
-              <a:t>          </a:t>
-            </a:r>
-            <a:r>
-              <a:rPr lang="zh-CN" altLang="en-US" sz="2400" dirty="0" smtClean="0"/>
-              <a:t>答：操场的周长是</a:t>
-            </a:r>
-            <a:r>
-              <a:rPr lang="en-US" altLang="zh-CN" sz="2400" dirty="0" smtClean="0"/>
-              <a:t>400</a:t>
-            </a:r>
-            <a:r>
-              <a:rPr lang="zh-CN" altLang="en-US" sz="2400" dirty="0" smtClean="0"/>
-              <a:t>米。</a:t>
-            </a:r>
-            <a:endParaRPr lang="zh-CN" altLang="en-US" sz="2400" dirty="0"/>
-          </a:p>
-        </p:txBody>
-      </p:sp>
+        </p:nvGraphicFramePr>
+        <p:xfrm>
+          <a:off x="500034" y="1397000"/>
+          <a:ext cx="8143931" cy="3845560"/>
+        </p:xfrm>
+        <a:graphic>
+          <a:graphicData uri="http://schemas.openxmlformats.org/drawingml/2006/table">
+            <a:tbl>
+              <a:tblPr firstRow="1" bandRow="1">
+                <a:tableStyleId>{5C22544A-7EE6-4342-B048-85BDC9FD1C3A}</a:tableStyleId>
+              </a:tblPr>
+              <a:tblGrid>
+                <a:gridCol w="857256"/>
+                <a:gridCol w="6000792"/>
+                <a:gridCol w="642942"/>
+                <a:gridCol w="642941"/>
+              </a:tblGrid>
+              <a:tr h="370840">
+                <a:tc>
+                  <a:txBody>
+                    <a:bodyPr/>
+                    <a:lstStyle/>
+                    <a:p>
+                      <a:pPr algn="ctr"/>
+                      <a:endParaRPr lang="zh-CN" altLang="en-US" dirty="0"/>
+                    </a:p>
+                  </a:txBody>
+                  <a:tcPr/>
+                </a:tc>
+                <a:tc>
+                  <a:txBody>
+                    <a:bodyPr/>
+                    <a:lstStyle/>
+                    <a:p>
+                      <a:pPr algn="ctr"/>
+                      <a:r>
+                        <a:rPr lang="zh-CN" altLang="en-US" dirty="0" smtClean="0"/>
+                        <a:t>目标</a:t>
+                      </a:r>
+                      <a:endParaRPr lang="zh-CN" altLang="en-US" dirty="0"/>
+                    </a:p>
+                  </a:txBody>
+                  <a:tcPr/>
+                </a:tc>
+                <a:tc>
+                  <a:txBody>
+                    <a:bodyPr/>
+                    <a:lstStyle/>
+                    <a:p>
+                      <a:pPr algn="ctr"/>
+                      <a:r>
+                        <a:rPr lang="zh-CN" altLang="en-US" dirty="0" smtClean="0"/>
+                        <a:t>重点</a:t>
+                      </a:r>
+                      <a:endParaRPr lang="zh-CN" altLang="en-US" dirty="0"/>
+                    </a:p>
+                  </a:txBody>
+                  <a:tcPr/>
+                </a:tc>
+                <a:tc>
+                  <a:txBody>
+                    <a:bodyPr/>
+                    <a:lstStyle/>
+                    <a:p>
+                      <a:pPr algn="ctr"/>
+                      <a:r>
+                        <a:rPr lang="zh-CN" altLang="en-US" dirty="0" smtClean="0"/>
+                        <a:t>难点</a:t>
+                      </a:r>
+                      <a:endParaRPr lang="zh-CN" altLang="en-US" dirty="0"/>
+                    </a:p>
+                  </a:txBody>
+                  <a:tcPr/>
+                </a:tc>
+              </a:tr>
+              <a:tr h="370840">
+                <a:tc rowSpan="3">
+                  <a:txBody>
+                    <a:bodyPr/>
+                    <a:lstStyle/>
+                    <a:p>
+                      <a:pPr algn="ctr"/>
+                      <a:endParaRPr lang="en-US" altLang="zh-CN" dirty="0" smtClean="0"/>
+                    </a:p>
+                    <a:p>
+                      <a:pPr algn="ctr"/>
+                      <a:r>
+                        <a:rPr lang="zh-CN" altLang="en-US" dirty="0" smtClean="0"/>
+                        <a:t>四</a:t>
+                      </a:r>
+                      <a:endParaRPr lang="en-US" altLang="zh-CN" dirty="0" smtClean="0"/>
+                    </a:p>
+                    <a:p>
+                      <a:pPr algn="ctr"/>
+                      <a:r>
+                        <a:rPr lang="zh-CN" altLang="en-US" dirty="0" smtClean="0"/>
+                        <a:t>边</a:t>
+                      </a:r>
+                      <a:endParaRPr lang="en-US" altLang="zh-CN" dirty="0" smtClean="0"/>
+                    </a:p>
+                    <a:p>
+                      <a:pPr algn="ctr"/>
+                      <a:r>
+                        <a:rPr lang="zh-CN" altLang="en-US" dirty="0" smtClean="0"/>
+                        <a:t>形</a:t>
+                      </a:r>
+                      <a:endParaRPr lang="zh-CN" altLang="en-US" dirty="0"/>
+                    </a:p>
+                  </a:txBody>
+                  <a:tcPr/>
+                </a:tc>
+                <a:tc>
+                  <a:txBody>
+                    <a:bodyPr/>
+                    <a:lstStyle/>
+                    <a:p>
+                      <a:pPr marL="0" marR="0" indent="0" algn="l" defTabSz="914400" rtl="0" eaLnBrk="1" fontAlgn="auto" latinLnBrk="0" hangingPunct="1">
+                        <a:lnSpc>
+                          <a:spcPct val="100000"/>
+                        </a:lnSpc>
+                        <a:spcBef>
+                          <a:spcPts val="0"/>
+                        </a:spcBef>
+                        <a:spcAft>
+                          <a:spcPts val="0"/>
+                        </a:spcAft>
+                        <a:buClrTx/>
+                        <a:buSzTx/>
+                        <a:buFontTx/>
+                        <a:buNone/>
+                        <a:tabLst/>
+                        <a:defRPr/>
+                      </a:pPr>
+                      <a:r>
+                        <a:rPr lang="en-US" altLang="zh-CN" dirty="0" smtClean="0"/>
+                        <a:t>1</a:t>
+                      </a:r>
+                      <a:r>
+                        <a:rPr lang="zh-CN" altLang="en-US" dirty="0" smtClean="0"/>
+                        <a:t>、识别四边形，能区分和辨认四边形</a:t>
+                      </a:r>
+                      <a:endParaRPr lang="en-US" altLang="zh-CN" dirty="0" smtClean="0"/>
+                    </a:p>
+                    <a:p>
+                      <a:endParaRPr lang="zh-CN" altLang="en-US" dirty="0"/>
+                    </a:p>
+                  </a:txBody>
+                  <a:tcPr/>
+                </a:tc>
+                <a:tc>
+                  <a:txBody>
+                    <a:bodyPr/>
+                    <a:lstStyle/>
+                    <a:p>
+                      <a:pPr algn="ctr"/>
+                      <a:r>
+                        <a:rPr lang="zh-CN" altLang="en-US" dirty="0" smtClean="0"/>
+                        <a:t>√</a:t>
+                      </a:r>
+                      <a:endParaRPr lang="zh-CN" altLang="en-US" dirty="0"/>
+                    </a:p>
+                  </a:txBody>
+                  <a:tcPr/>
+                </a:tc>
+                <a:tc>
+                  <a:txBody>
+                    <a:bodyPr/>
+                    <a:lstStyle/>
+                    <a:p>
+                      <a:pPr algn="ctr"/>
+                      <a:endParaRPr lang="zh-CN" altLang="en-US" dirty="0"/>
+                    </a:p>
+                  </a:txBody>
+                  <a:tcPr/>
+                </a:tc>
+              </a:tr>
+              <a:tr h="370840">
+                <a:tc vMerge="1">
+                  <a:txBody>
+                    <a:bodyPr/>
+                    <a:lstStyle/>
+                    <a:p>
+                      <a:endParaRPr lang="zh-CN" altLang="en-US" dirty="0"/>
+                    </a:p>
+                  </a:txBody>
+                  <a:tcPr/>
+                </a:tc>
+                <a:tc>
+                  <a:txBody>
+                    <a:bodyPr/>
+                    <a:lstStyle/>
+                    <a:p>
+                      <a:pPr marL="0" marR="0" indent="0" algn="l" defTabSz="914400" rtl="0" eaLnBrk="1" fontAlgn="auto" latinLnBrk="0" hangingPunct="1">
+                        <a:lnSpc>
+                          <a:spcPct val="100000"/>
+                        </a:lnSpc>
+                        <a:spcBef>
+                          <a:spcPts val="0"/>
+                        </a:spcBef>
+                        <a:spcAft>
+                          <a:spcPts val="0"/>
+                        </a:spcAft>
+                        <a:buClrTx/>
+                        <a:buSzTx/>
+                        <a:buFontTx/>
+                        <a:buNone/>
+                        <a:tabLst/>
+                        <a:defRPr/>
+                      </a:pPr>
+                      <a:r>
+                        <a:rPr lang="en-US" altLang="zh-CN" dirty="0" smtClean="0"/>
+                        <a:t>2</a:t>
+                      </a:r>
+                      <a:r>
+                        <a:rPr lang="zh-CN" altLang="en-US" dirty="0" smtClean="0"/>
+                        <a:t>、能区分长方形和正方形，掌握它们的特征</a:t>
+                      </a:r>
+                      <a:endParaRPr lang="en-US" altLang="zh-CN" dirty="0" smtClean="0"/>
+                    </a:p>
+                    <a:p>
+                      <a:endParaRPr lang="zh-CN" altLang="en-US" dirty="0"/>
+                    </a:p>
+                  </a:txBody>
+                  <a:tcPr/>
+                </a:tc>
+                <a:tc>
+                  <a:txBody>
+                    <a:bodyPr/>
+                    <a:lstStyle/>
+                    <a:p>
+                      <a:pPr algn="ctr"/>
+                      <a:r>
+                        <a:rPr lang="zh-CN" altLang="en-US" dirty="0" smtClean="0"/>
+                        <a:t>√</a:t>
+                      </a:r>
+                      <a:endParaRPr lang="zh-CN" altLang="en-US" dirty="0"/>
+                    </a:p>
+                  </a:txBody>
+                  <a:tcPr/>
+                </a:tc>
+                <a:tc>
+                  <a:txBody>
+                    <a:bodyPr/>
+                    <a:lstStyle/>
+                    <a:p>
+                      <a:pPr algn="ctr"/>
+                      <a:endParaRPr lang="zh-CN" altLang="en-US" dirty="0"/>
+                    </a:p>
+                  </a:txBody>
+                  <a:tcPr/>
+                </a:tc>
+              </a:tr>
+              <a:tr h="370840">
+                <a:tc vMerge="1">
+                  <a:txBody>
+                    <a:bodyPr/>
+                    <a:lstStyle/>
+                    <a:p>
+                      <a:endParaRPr lang="zh-CN" altLang="en-US" dirty="0"/>
+                    </a:p>
+                  </a:txBody>
+                  <a:tcPr/>
+                </a:tc>
+                <a:tc>
+                  <a:txBody>
+                    <a:bodyPr/>
+                    <a:lstStyle/>
+                    <a:p>
+                      <a:pPr marL="0" marR="0" indent="0" algn="l" defTabSz="914400" rtl="0" eaLnBrk="1" fontAlgn="auto" latinLnBrk="0" hangingPunct="1">
+                        <a:lnSpc>
+                          <a:spcPct val="100000"/>
+                        </a:lnSpc>
+                        <a:spcBef>
+                          <a:spcPts val="0"/>
+                        </a:spcBef>
+                        <a:spcAft>
+                          <a:spcPts val="0"/>
+                        </a:spcAft>
+                        <a:buClrTx/>
+                        <a:buSzTx/>
+                        <a:buFontTx/>
+                        <a:buNone/>
+                        <a:tabLst/>
+                        <a:defRPr/>
+                      </a:pPr>
+                      <a:r>
+                        <a:rPr lang="en-US" altLang="zh-CN" dirty="0" smtClean="0"/>
+                        <a:t>3</a:t>
+                      </a:r>
+                      <a:r>
+                        <a:rPr lang="zh-CN" altLang="en-US" dirty="0" smtClean="0"/>
+                        <a:t>、会画长方形和正方形</a:t>
+                      </a:r>
+                      <a:endParaRPr lang="en-US" altLang="zh-CN" dirty="0" smtClean="0"/>
+                    </a:p>
+                    <a:p>
+                      <a:endParaRPr lang="zh-CN" altLang="en-US" dirty="0"/>
+                    </a:p>
+                  </a:txBody>
+                  <a:tcPr/>
+                </a:tc>
+                <a:tc>
+                  <a:txBody>
+                    <a:bodyPr/>
+                    <a:lstStyle/>
+                    <a:p>
+                      <a:pPr algn="ctr"/>
+                      <a:endParaRPr lang="zh-CN" altLang="en-US" dirty="0"/>
+                    </a:p>
+                  </a:txBody>
+                  <a:tcPr/>
+                </a:tc>
+                <a:tc>
+                  <a:txBody>
+                    <a:bodyPr/>
+                    <a:lstStyle/>
+                    <a:p>
+                      <a:pPr algn="ctr"/>
+                      <a:r>
+                        <a:rPr lang="zh-CN" altLang="en-US" dirty="0" smtClean="0"/>
+                        <a:t>√</a:t>
+                      </a:r>
+                      <a:endParaRPr lang="zh-CN" altLang="en-US" dirty="0"/>
+                    </a:p>
+                  </a:txBody>
+                  <a:tcPr/>
+                </a:tc>
+              </a:tr>
+              <a:tr h="370840">
+                <a:tc rowSpan="2">
+                  <a:txBody>
+                    <a:bodyPr/>
+                    <a:lstStyle/>
+                    <a:p>
+                      <a:pPr algn="ctr"/>
+                      <a:endParaRPr lang="en-US" altLang="zh-CN" dirty="0" smtClean="0"/>
+                    </a:p>
+                    <a:p>
+                      <a:pPr algn="ctr"/>
+                      <a:r>
+                        <a:rPr lang="zh-CN" altLang="en-US" dirty="0" smtClean="0"/>
+                        <a:t>周</a:t>
+                      </a:r>
+                      <a:endParaRPr lang="en-US" altLang="zh-CN" dirty="0" smtClean="0"/>
+                    </a:p>
+                    <a:p>
+                      <a:pPr algn="ctr"/>
+                      <a:r>
+                        <a:rPr lang="zh-CN" altLang="en-US" dirty="0" smtClean="0"/>
+                        <a:t>长</a:t>
+                      </a:r>
+                      <a:endParaRPr lang="zh-CN" altLang="en-US" dirty="0"/>
+                    </a:p>
+                  </a:txBody>
+                  <a:tcPr/>
+                </a:tc>
+                <a:tc>
+                  <a:txBody>
+                    <a:bodyPr/>
+                    <a:lstStyle/>
+                    <a:p>
+                      <a:r>
+                        <a:rPr lang="en-US" altLang="zh-CN" dirty="0" smtClean="0"/>
+                        <a:t>1</a:t>
+                      </a:r>
+                      <a:r>
+                        <a:rPr lang="zh-CN" altLang="en-US" dirty="0" smtClean="0"/>
+                        <a:t>、认识周长的含义，掌握不规则图形周长的测量方法</a:t>
+                      </a:r>
+                      <a:endParaRPr lang="en-US" altLang="zh-CN" dirty="0" smtClean="0"/>
+                    </a:p>
+                    <a:p>
+                      <a:endParaRPr lang="en-US" altLang="zh-CN" dirty="0" smtClean="0"/>
+                    </a:p>
+                  </a:txBody>
+                  <a:tcPr/>
+                </a:tc>
+                <a:tc>
+                  <a:txBody>
+                    <a:bodyPr/>
+                    <a:lstStyle/>
+                    <a:p>
+                      <a:pPr algn="ctr"/>
+                      <a:r>
+                        <a:rPr lang="zh-CN" altLang="en-US" dirty="0" smtClean="0"/>
+                        <a:t>√</a:t>
+                      </a:r>
+                      <a:endParaRPr lang="zh-CN" altLang="en-US" dirty="0"/>
+                    </a:p>
+                  </a:txBody>
+                  <a:tcPr/>
+                </a:tc>
+                <a:tc>
+                  <a:txBody>
+                    <a:bodyPr/>
+                    <a:lstStyle/>
+                    <a:p>
+                      <a:pPr algn="ctr"/>
+                      <a:endParaRPr lang="zh-CN" altLang="en-US" dirty="0"/>
+                    </a:p>
+                  </a:txBody>
+                  <a:tcPr/>
+                </a:tc>
+              </a:tr>
+              <a:tr h="370840">
+                <a:tc vMerge="1">
+                  <a:txBody>
+                    <a:bodyPr/>
+                    <a:lstStyle/>
+                    <a:p>
+                      <a:pPr algn="ctr"/>
+                      <a:endParaRPr lang="zh-CN" altLang="en-US" dirty="0"/>
+                    </a:p>
+                  </a:txBody>
+                  <a:tcPr/>
+                </a:tc>
+                <a:tc>
+                  <a:txBody>
+                    <a:bodyPr/>
+                    <a:lstStyle/>
+                    <a:p>
+                      <a:r>
+                        <a:rPr lang="en-US" altLang="zh-CN" dirty="0" smtClean="0"/>
+                        <a:t>2</a:t>
+                      </a:r>
+                      <a:r>
+                        <a:rPr lang="zh-CN" altLang="en-US" dirty="0" smtClean="0"/>
+                        <a:t>、判断长方形、正方形周长的计算方法，并能用所学知识解决生活中的实际问题</a:t>
+                      </a:r>
+                      <a:endParaRPr lang="en-US" altLang="zh-CN" dirty="0" smtClean="0"/>
+                    </a:p>
+                    <a:p>
+                      <a:endParaRPr lang="en-US" altLang="zh-CN" dirty="0" smtClean="0"/>
+                    </a:p>
+                  </a:txBody>
+                  <a:tcPr/>
+                </a:tc>
+                <a:tc>
+                  <a:txBody>
+                    <a:bodyPr/>
+                    <a:lstStyle/>
+                    <a:p>
+                      <a:pPr algn="ctr"/>
+                      <a:endParaRPr lang="zh-CN" altLang="en-US" dirty="0"/>
+                    </a:p>
+                  </a:txBody>
+                  <a:tcPr/>
+                </a:tc>
+                <a:tc>
+                  <a:txBody>
+                    <a:bodyPr/>
+                    <a:lstStyle/>
+                    <a:p>
+                      <a:pPr algn="ctr"/>
+                      <a:r>
+                        <a:rPr lang="zh-CN" altLang="en-US" dirty="0" smtClean="0"/>
+                        <a:t>√</a:t>
+                      </a:r>
+                      <a:endParaRPr lang="zh-CN" altLang="en-US" dirty="0"/>
+                    </a:p>
+                  </a:txBody>
+                  <a:tcPr/>
+                </a:tc>
+              </a:tr>
+            </a:tbl>
+          </a:graphicData>
+        </a:graphic>
+      </p:graphicFrame>
     </p:spTree>
   </p:cSld>
   <p:clrMapOvr>
     <a:masterClrMapping/>
   </p:clrMapOvr>
-  <p:transition/>
   <p:timing>
     <p:tnLst>
       <p:par>
@@ -4804,20 +5102,12 @@
           <a:lstStyle/>
           <a:p>
             <a:r>
+              <a:rPr lang="zh-CN" altLang="en-US" dirty="0" smtClean="0"/>
+              <a:t>典型例题</a:t>
+            </a:r>
+            <a:r>
               <a:rPr lang="en-US" altLang="zh-CN" dirty="0" smtClean="0"/>
-              <a:t>G3AU7T01 </a:t>
-            </a:r>
-            <a:r>
-              <a:rPr lang="zh-CN" altLang="en-US" dirty="0" smtClean="0"/>
-              <a:t>巩固练习</a:t>
-            </a:r>
-            <a:r>
-              <a:rPr lang="en-US" altLang="zh-CN" dirty="0" smtClean="0"/>
-              <a:t>1</a:t>
-            </a:r>
-            <a:r>
-              <a:rPr lang="zh-CN" altLang="en-US" dirty="0" smtClean="0"/>
-              <a:t> </a:t>
+              <a:t>1 G3AU7E01 </a:t>
             </a:r>
             <a:endParaRPr lang="zh-CN" altLang="en-US" dirty="0" smtClean="0"/>
           </a:p>
@@ -4931,27 +5221,224 @@
             </a:r>
             <a:r>
               <a:rPr lang="zh-CN" altLang="en-US" sz="2400" dirty="0" smtClean="0"/>
-              <a:t>一个长方形的宽时</a:t>
+              <a:t>长方形操场的宽是</a:t>
             </a:r>
             <a:r>
               <a:rPr lang="en-US" altLang="zh-CN" sz="2400" dirty="0" smtClean="0"/>
-              <a:t>8</a:t>
+              <a:t>50</a:t>
             </a:r>
             <a:r>
               <a:rPr lang="zh-CN" altLang="en-US" sz="2400" dirty="0" smtClean="0"/>
-              <a:t>厘米，比短长</a:t>
+              <a:t>米，长是宽的</a:t>
             </a:r>
             <a:r>
               <a:rPr lang="en-US" altLang="zh-CN" sz="2400" dirty="0" smtClean="0"/>
-              <a:t>2</a:t>
+              <a:t>3</a:t>
             </a:r>
             <a:r>
               <a:rPr lang="zh-CN" altLang="en-US" sz="2400" dirty="0" smtClean="0"/>
-              <a:t>厘米，这个长方形的周长是多少厘米</a:t>
+              <a:t>倍，这个操场的周长是多少？</a:t>
+            </a:r>
+            <a:endParaRPr lang="zh-CN" altLang="en-US" sz="2400" dirty="0"/>
+          </a:p>
+        </p:txBody>
+      </p:sp>
+      <p:sp>
+        <p:nvSpPr>
+          <p:cNvPr id="6" name="TextBox 6"/>
+          <p:cNvSpPr>
+            <a:spLocks noChangeArrowheads="1"/>
+          </p:cNvSpPr>
+          <p:nvPr/>
+        </p:nvSpPr>
+        <p:spPr bwMode="auto">
+          <a:xfrm>
+            <a:off x="571472" y="1928802"/>
+            <a:ext cx="8215370" cy="4524315"/>
+          </a:xfrm>
+          <a:prstGeom prst="rect">
+            <a:avLst/>
+          </a:prstGeom>
+          <a:noFill/>
+          <a:ln w="9525">
+            <a:noFill/>
+            <a:miter lim="800000"/>
+          </a:ln>
+        </p:spPr>
+        <p:txBody>
+          <a:bodyPr wrap="square">
+            <a:spAutoFit/>
+          </a:bodyPr>
+          <a:lstStyle/>
+          <a:p>
+            <a:r>
+              <a:rPr lang="zh-CN" altLang="en-US" sz="2400" dirty="0" smtClean="0"/>
+              <a:t>解题思路</a:t>
             </a:r>
             <a:r>
               <a:rPr lang="en-US" altLang="zh-CN" sz="2400" dirty="0" smtClean="0"/>
-              <a:t>?</a:t>
+              <a:t>:</a:t>
+            </a:r>
+          </a:p>
+          <a:p>
+            <a:r>
+              <a:rPr lang="zh-CN" altLang="en-US" sz="2400" dirty="0" smtClean="0"/>
+              <a:t>根据长方形的周长公式进行计算</a:t>
+            </a:r>
+            <a:endParaRPr lang="en-US" altLang="zh-CN" sz="2400" dirty="0" smtClean="0"/>
+          </a:p>
+          <a:p>
+            <a:r>
+              <a:rPr lang="zh-CN" altLang="en-US" sz="2400" dirty="0" smtClean="0"/>
+              <a:t>长方形的周长</a:t>
+            </a:r>
+            <a:r>
+              <a:rPr lang="en-US" altLang="zh-CN" sz="2400" dirty="0" smtClean="0"/>
+              <a:t>=</a:t>
+            </a:r>
+            <a:r>
+              <a:rPr lang="zh-CN" altLang="en-US" sz="2400" dirty="0" smtClean="0"/>
+              <a:t>（长＋宽）</a:t>
+            </a:r>
+            <a:r>
+              <a:rPr lang="en-US" altLang="zh-CN" sz="2400" dirty="0" smtClean="0"/>
+              <a:t>×2</a:t>
+            </a:r>
+          </a:p>
+          <a:p>
+            <a:r>
+              <a:rPr lang="zh-CN" altLang="en-US" sz="2400" dirty="0" smtClean="0"/>
+              <a:t>题中给出了宽是</a:t>
+            </a:r>
+            <a:r>
+              <a:rPr lang="en-US" altLang="zh-CN" sz="2400" dirty="0" smtClean="0"/>
+              <a:t>50</a:t>
+            </a:r>
+            <a:r>
+              <a:rPr lang="zh-CN" altLang="en-US" sz="2400" dirty="0" smtClean="0"/>
+              <a:t>米，长可以通过题中描述计算出来，知道长和宽便可以根据长方形的周长公式求出结果。</a:t>
+            </a:r>
+            <a:endParaRPr lang="en-US" altLang="zh-CN" sz="2400" dirty="0" smtClean="0"/>
+          </a:p>
+          <a:p>
+            <a:r>
+              <a:rPr lang="zh-CN" altLang="en-US" sz="2400" dirty="0" smtClean="0"/>
+              <a:t>解：</a:t>
+            </a:r>
+            <a:endParaRPr lang="en-US" altLang="zh-CN" sz="2400" dirty="0" smtClean="0"/>
+          </a:p>
+          <a:p>
+            <a:r>
+              <a:rPr lang="en-US" altLang="zh-CN" sz="2400" dirty="0" smtClean="0"/>
+              <a:t>	</a:t>
+            </a:r>
+            <a:r>
+              <a:rPr lang="zh-CN" altLang="en-US" sz="2400" dirty="0" smtClean="0"/>
+              <a:t>长</a:t>
+            </a:r>
+            <a:r>
+              <a:rPr lang="en-US" altLang="zh-CN" sz="2400" dirty="0" smtClean="0"/>
+              <a:t>=3×</a:t>
+            </a:r>
+            <a:r>
+              <a:rPr lang="zh-CN" altLang="en-US" sz="2400" dirty="0" smtClean="0"/>
+              <a:t>宽</a:t>
+            </a:r>
+            <a:r>
+              <a:rPr lang="en-US" altLang="zh-CN" sz="2400" dirty="0" smtClean="0"/>
+              <a:t>=3×50=150</a:t>
+            </a:r>
+            <a:r>
+              <a:rPr lang="zh-CN" altLang="en-US" sz="2400" dirty="0" smtClean="0"/>
+              <a:t>（米）</a:t>
+            </a:r>
+            <a:endParaRPr lang="en-US" altLang="zh-CN" sz="2400" dirty="0" smtClean="0"/>
+          </a:p>
+          <a:p>
+            <a:r>
+              <a:rPr lang="en-US" altLang="zh-CN" sz="2400" dirty="0" smtClean="0"/>
+              <a:t>	</a:t>
+            </a:r>
+            <a:r>
+              <a:rPr lang="zh-CN" altLang="en-US" sz="2400" dirty="0" smtClean="0"/>
+              <a:t>周长</a:t>
+            </a:r>
+            <a:r>
+              <a:rPr lang="en-US" altLang="zh-CN" sz="2400" dirty="0" smtClean="0"/>
+              <a:t>=</a:t>
+            </a:r>
+            <a:r>
+              <a:rPr lang="zh-CN" altLang="en-US" sz="2400" dirty="0" smtClean="0"/>
+              <a:t>（长＋宽）</a:t>
+            </a:r>
+            <a:r>
+              <a:rPr lang="en-US" altLang="zh-CN" sz="2400" dirty="0" smtClean="0"/>
+              <a:t>×2 </a:t>
+            </a:r>
+          </a:p>
+          <a:p>
+            <a:r>
+              <a:rPr lang="en-US" altLang="zh-CN" sz="2400" dirty="0" smtClean="0"/>
+              <a:t>	       = </a:t>
+            </a:r>
+            <a:r>
+              <a:rPr lang="zh-CN" altLang="en-US" sz="2400" dirty="0" smtClean="0"/>
+              <a:t>（</a:t>
+            </a:r>
+            <a:r>
+              <a:rPr lang="en-US" altLang="zh-CN" sz="2400" dirty="0" smtClean="0"/>
+              <a:t>150</a:t>
+            </a:r>
+            <a:r>
+              <a:rPr lang="zh-CN" altLang="en-US" sz="2400" dirty="0" smtClean="0"/>
+              <a:t>＋</a:t>
+            </a:r>
+            <a:r>
+              <a:rPr lang="en-US" altLang="zh-CN" sz="2400" dirty="0" smtClean="0"/>
+              <a:t>50</a:t>
+            </a:r>
+            <a:r>
+              <a:rPr lang="zh-CN" altLang="en-US" sz="2400" dirty="0" smtClean="0"/>
+              <a:t>）</a:t>
+            </a:r>
+            <a:r>
+              <a:rPr lang="en-US" altLang="zh-CN" sz="2400" dirty="0" smtClean="0"/>
+              <a:t>×2</a:t>
+            </a:r>
+          </a:p>
+          <a:p>
+            <a:r>
+              <a:rPr lang="en-US" altLang="zh-CN" sz="2400" dirty="0" smtClean="0"/>
+              <a:t>                  =200×2</a:t>
+            </a:r>
+          </a:p>
+          <a:p>
+            <a:r>
+              <a:rPr lang="en-US" altLang="zh-CN" sz="2400" dirty="0" smtClean="0"/>
+              <a:t>                  =400</a:t>
+            </a:r>
+            <a:r>
+              <a:rPr lang="zh-CN" altLang="en-US" sz="2400" dirty="0" smtClean="0"/>
+              <a:t>（米）</a:t>
+            </a:r>
+            <a:endParaRPr lang="en-US" altLang="zh-CN" sz="2400" dirty="0" smtClean="0"/>
+          </a:p>
+          <a:p>
+            <a:r>
+              <a:rPr lang="en-US" altLang="zh-CN" sz="2400" dirty="0" smtClean="0"/>
+              <a:t>          </a:t>
+            </a:r>
+            <a:r>
+              <a:rPr lang="zh-CN" altLang="en-US" sz="2400" dirty="0" smtClean="0"/>
+              <a:t>答：操场的周长是</a:t>
+            </a:r>
+            <a:r>
+              <a:rPr lang="en-US" altLang="zh-CN" sz="2400" dirty="0" smtClean="0"/>
+              <a:t>400</a:t>
+            </a:r>
+            <a:r>
+              <a:rPr lang="zh-CN" altLang="en-US" sz="2400" dirty="0" smtClean="0"/>
+              <a:t>米。</a:t>
             </a:r>
             <a:endParaRPr lang="zh-CN" altLang="en-US" sz="2400" dirty="0"/>
           </a:p>
@@ -5006,16 +5493,20 @@
           <a:lstStyle/>
           <a:p>
             <a:r>
+              <a:rPr lang="zh-CN" altLang="en-US" dirty="0" smtClean="0"/>
+              <a:t>巩固练习</a:t>
+            </a:r>
+            <a:r>
               <a:rPr lang="en-US" altLang="zh-CN" dirty="0" smtClean="0"/>
-              <a:t>G3AU7E01 </a:t>
+              <a:t>1</a:t>
             </a:r>
             <a:r>
               <a:rPr lang="zh-CN" altLang="en-US" dirty="0" smtClean="0"/>
-              <a:t>例题</a:t>
+              <a:t> </a:t>
             </a:r>
             <a:r>
               <a:rPr lang="en-US" altLang="zh-CN" dirty="0" smtClean="0"/>
-              <a:t>2</a:t>
+              <a:t>G3AU7T01 </a:t>
             </a:r>
             <a:endParaRPr lang="zh-CN" altLang="en-US" dirty="0" smtClean="0"/>
           </a:p>
@@ -5106,7 +5597,7 @@
         <p:spPr bwMode="auto">
           <a:xfrm>
             <a:off x="571472" y="928670"/>
-            <a:ext cx="8215370" cy="1200329"/>
+            <a:ext cx="8215370" cy="830997"/>
           </a:xfrm>
           <a:prstGeom prst="rect">
             <a:avLst/>
@@ -5129,23 +5620,27 @@
             </a:r>
             <a:r>
               <a:rPr lang="zh-CN" altLang="en-US" sz="2400" dirty="0" smtClean="0"/>
-              <a:t>用一根铁丝能围成一个边长为</a:t>
+              <a:t>一个长方形的宽是</a:t>
             </a:r>
             <a:r>
               <a:rPr lang="en-US" altLang="zh-CN" sz="2400" dirty="0" smtClean="0"/>
-              <a:t>10</a:t>
+              <a:t>8</a:t>
             </a:r>
             <a:r>
               <a:rPr lang="zh-CN" altLang="en-US" sz="2400" dirty="0" smtClean="0"/>
-              <a:t>厘米的正方形，如果把它改围成一个长方形，当长方形的长是</a:t>
+              <a:t>厘米，比长短</a:t>
             </a:r>
             <a:r>
               <a:rPr lang="en-US" altLang="zh-CN" sz="2400" dirty="0" smtClean="0"/>
-              <a:t>14</a:t>
+              <a:t>2</a:t>
             </a:r>
             <a:r>
               <a:rPr lang="zh-CN" altLang="en-US" sz="2400" dirty="0" smtClean="0"/>
-              <a:t>厘米时，宽是多少？</a:t>
+              <a:t>厘米，这个长方形的周长是多少厘米</a:t>
+            </a:r>
+            <a:r>
+              <a:rPr lang="en-US" altLang="zh-CN" sz="2400" dirty="0" smtClean="0"/>
+              <a:t>?</a:t>
             </a:r>
             <a:endParaRPr lang="zh-CN" altLang="en-US" sz="2400" dirty="0"/>
           </a:p>
@@ -5153,326 +5648,65 @@
       </p:sp>
       <p:sp>
         <p:nvSpPr>
-          <p:cNvPr id="6" name="TextBox 6"/>
-          <p:cNvSpPr>
-            <a:spLocks noChangeArrowheads="1"/>
-          </p:cNvSpPr>
+          <p:cNvPr id="7" name="TextBox 6"/>
+          <p:cNvSpPr txBox="1"/>
           <p:nvPr/>
         </p:nvSpPr>
-        <p:spPr bwMode="auto">
+        <p:spPr>
           <a:xfrm>
-            <a:off x="571472" y="2000240"/>
-            <a:ext cx="8215370" cy="3046988"/>
+            <a:off x="4929190" y="3714752"/>
+            <a:ext cx="2954655" cy="646331"/>
           </a:xfrm>
           <a:prstGeom prst="rect">
             <a:avLst/>
           </a:prstGeom>
           <a:noFill/>
-          <a:ln w="9525">
-            <a:noFill/>
-            <a:miter lim="800000"/>
-          </a:ln>
-        </p:spPr>
-        <p:txBody>
-          <a:bodyPr wrap="square">
+        </p:spPr>
+        <p:txBody>
+          <a:bodyPr wrap="none" rtlCol="0">
             <a:spAutoFit/>
           </a:bodyPr>
           <a:lstStyle/>
           <a:p>
             <a:r>
-              <a:rPr lang="zh-CN" altLang="en-US" sz="2400" dirty="0" smtClean="0"/>
-              <a:t>解题思路</a:t>
-            </a:r>
-            <a:r>
-              <a:rPr lang="en-US" altLang="zh-CN" sz="2400" dirty="0" smtClean="0"/>
-              <a:t>:</a:t>
-            </a:r>
-          </a:p>
-          <a:p>
-            <a:r>
-              <a:rPr lang="zh-CN" altLang="en-US" sz="2400" dirty="0" smtClean="0"/>
-              <a:t>用围正方形的铁丝围成长方形，铁丝的长度不变，也就是正方形的周长就是长方形的周长。然后根据长方形的周长公式求长方形的宽。宽</a:t>
-            </a:r>
-            <a:r>
-              <a:rPr lang="en-US" altLang="zh-CN" sz="2400" dirty="0" smtClean="0"/>
-              <a:t>=</a:t>
-            </a:r>
-            <a:r>
-              <a:rPr lang="zh-CN" altLang="en-US" sz="2400" dirty="0" smtClean="0"/>
-              <a:t>周长</a:t>
-            </a:r>
-            <a:r>
-              <a:rPr lang="en-US" altLang="zh-CN" sz="2400" dirty="0" smtClean="0"/>
-              <a:t>÷2-</a:t>
-            </a:r>
-            <a:r>
-              <a:rPr lang="zh-CN" altLang="en-US" sz="2400" dirty="0" smtClean="0"/>
-              <a:t>长 或者宽</a:t>
-            </a:r>
-            <a:r>
-              <a:rPr lang="en-US" altLang="zh-CN" sz="2400" dirty="0" smtClean="0"/>
-              <a:t>=</a:t>
-            </a:r>
-            <a:r>
-              <a:rPr lang="zh-CN" altLang="en-US" sz="2400" dirty="0" smtClean="0"/>
-              <a:t>（周长</a:t>
-            </a:r>
-            <a:r>
-              <a:rPr lang="en-US" altLang="zh-CN" sz="2400" dirty="0" smtClean="0"/>
-              <a:t>-</a:t>
-            </a:r>
-            <a:r>
-              <a:rPr lang="zh-CN" altLang="en-US" sz="2400" dirty="0" smtClean="0"/>
-              <a:t>长</a:t>
-            </a:r>
-            <a:r>
-              <a:rPr lang="en-US" altLang="zh-CN" sz="2400" dirty="0" smtClean="0"/>
-              <a:t>-</a:t>
-            </a:r>
-            <a:r>
-              <a:rPr lang="zh-CN" altLang="en-US" sz="2400" dirty="0" smtClean="0"/>
-              <a:t>长）</a:t>
-            </a:r>
-            <a:r>
-              <a:rPr lang="en-US" altLang="zh-CN" sz="2400" dirty="0" smtClean="0"/>
-              <a:t>÷2</a:t>
-            </a:r>
-            <a:endParaRPr lang="en-US" altLang="zh-CN" sz="2400" dirty="0" smtClean="0"/>
-          </a:p>
-          <a:p>
-            <a:r>
-              <a:rPr lang="zh-CN" altLang="en-US" sz="2400" dirty="0" smtClean="0"/>
-              <a:t>解</a:t>
-            </a:r>
-            <a:r>
-              <a:rPr lang="zh-CN" altLang="en-US" sz="2400" dirty="0" smtClean="0"/>
-              <a:t>：</a:t>
-            </a:r>
-            <a:endParaRPr lang="en-US" altLang="zh-CN" sz="2400" dirty="0" smtClean="0"/>
-          </a:p>
-          <a:p>
-            <a:r>
-              <a:rPr lang="zh-CN" altLang="en-US" sz="2400" dirty="0" smtClean="0"/>
-              <a:t> 正方形周长</a:t>
-            </a:r>
-            <a:r>
-              <a:rPr lang="en-US" altLang="zh-CN" sz="2400" dirty="0" smtClean="0"/>
-              <a:t>=</a:t>
-            </a:r>
-            <a:r>
-              <a:rPr lang="zh-CN" altLang="en-US" sz="2400" dirty="0" smtClean="0"/>
-              <a:t>边长</a:t>
-            </a:r>
-            <a:r>
-              <a:rPr lang="en-US" altLang="zh-CN" sz="2400" dirty="0" smtClean="0"/>
-              <a:t>×</a:t>
-            </a:r>
-            <a:r>
-              <a:rPr lang="en-US" altLang="zh-CN" sz="2400" dirty="0" smtClean="0"/>
-              <a:t>4</a:t>
-            </a:r>
-            <a:r>
-              <a:rPr lang="en-US" altLang="zh-CN" sz="2400" dirty="0" smtClean="0"/>
-              <a:t>=10×4=40</a:t>
-            </a:r>
-            <a:r>
-              <a:rPr lang="zh-CN" altLang="en-US" sz="2400" dirty="0" smtClean="0"/>
-              <a:t>（厘米）</a:t>
-            </a:r>
-            <a:endParaRPr lang="en-US" altLang="zh-CN" sz="2400" dirty="0" smtClean="0"/>
-          </a:p>
-          <a:p>
-            <a:r>
-              <a:rPr lang="zh-CN" altLang="en-US" sz="2400" dirty="0" smtClean="0"/>
-              <a:t> 长方形周长</a:t>
-            </a:r>
-            <a:r>
-              <a:rPr lang="en-US" altLang="zh-CN" sz="2400" dirty="0" smtClean="0"/>
-              <a:t>=</a:t>
-            </a:r>
-            <a:r>
-              <a:rPr lang="zh-CN" altLang="en-US" sz="2400" dirty="0" smtClean="0"/>
-              <a:t>（长＋宽）</a:t>
-            </a:r>
-            <a:r>
-              <a:rPr lang="en-US" altLang="zh-CN" sz="2400" dirty="0" smtClean="0"/>
-              <a:t>×2 </a:t>
-            </a:r>
-            <a:endParaRPr lang="en-US" altLang="zh-CN" sz="2400" dirty="0" smtClean="0"/>
-          </a:p>
-          <a:p>
-            <a:r>
-              <a:rPr lang="en-US" altLang="zh-CN" sz="2400" dirty="0" smtClean="0"/>
-              <a:t> </a:t>
-            </a:r>
-            <a:r>
-              <a:rPr lang="en-US" altLang="zh-CN" sz="2400" dirty="0" smtClean="0"/>
-              <a:t>           </a:t>
-            </a:r>
-            <a:endParaRPr lang="zh-CN" altLang="en-US" sz="2400" dirty="0"/>
-          </a:p>
-        </p:txBody>
-      </p:sp>
-      <p:sp>
-        <p:nvSpPr>
-          <p:cNvPr id="8" name="TextBox 6"/>
-          <p:cNvSpPr>
-            <a:spLocks noChangeArrowheads="1"/>
-          </p:cNvSpPr>
+              <a:rPr lang="zh-CN" altLang="en-US" dirty="0" smtClean="0"/>
+              <a:t>添加微信获取家辅手册材料</a:t>
+            </a:r>
+            <a:endParaRPr lang="en-US" altLang="zh-CN" dirty="0" smtClean="0"/>
+          </a:p>
+          <a:p>
+            <a:r>
+              <a:rPr lang="zh-CN" altLang="en-US" dirty="0" smtClean="0"/>
+              <a:t>及更多相关课程资讯</a:t>
+            </a:r>
+            <a:endParaRPr lang="zh-CN" altLang="en-US" dirty="0"/>
+          </a:p>
+        </p:txBody>
+      </p:sp>
+      <p:pic>
+        <p:nvPicPr>
+          <p:cNvPr id="8" name="图片 7" descr="学习管家.jpg"/>
+          <p:cNvPicPr>
+            <a:picLocks noChangeAspect="1"/>
+          </p:cNvPicPr>
           <p:nvPr/>
-        </p:nvSpPr>
-        <p:spPr bwMode="auto">
+        </p:nvPicPr>
+        <p:blipFill>
+          <a:blip r:embed="rId3"/>
+          <a:stretch>
+            <a:fillRect/>
+          </a:stretch>
+        </p:blipFill>
+        <p:spPr>
           <a:xfrm>
-            <a:off x="-857288" y="4572008"/>
-            <a:ext cx="7786742" cy="1938992"/>
+            <a:off x="2285984" y="3143248"/>
+            <a:ext cx="2333627" cy="2333627"/>
           </a:xfrm>
           <a:prstGeom prst="rect">
             <a:avLst/>
           </a:prstGeom>
-          <a:noFill/>
-          <a:ln w="9525">
-            <a:noFill/>
-            <a:miter lim="800000"/>
-          </a:ln>
-        </p:spPr>
-        <p:txBody>
-          <a:bodyPr wrap="square">
-            <a:spAutoFit/>
-          </a:bodyPr>
-          <a:lstStyle/>
-          <a:p>
-            <a:r>
-              <a:rPr lang="en-US" altLang="zh-CN" sz="2400" dirty="0" smtClean="0"/>
-              <a:t>	</a:t>
-            </a:r>
-            <a:r>
-              <a:rPr lang="en-US" altLang="zh-CN" sz="2400" dirty="0" smtClean="0"/>
-              <a:t>        </a:t>
-            </a:r>
-            <a:r>
-              <a:rPr lang="zh-CN" altLang="en-US" sz="2400" dirty="0" smtClean="0"/>
-              <a:t>宽</a:t>
-            </a:r>
-            <a:r>
-              <a:rPr lang="en-US" altLang="zh-CN" sz="2400" dirty="0" smtClean="0"/>
-              <a:t>=</a:t>
-            </a:r>
-            <a:r>
-              <a:rPr lang="zh-CN" altLang="en-US" sz="2400" dirty="0" smtClean="0"/>
-              <a:t>（周长－长</a:t>
-            </a:r>
-            <a:r>
-              <a:rPr lang="zh-CN" altLang="en-US" sz="2400" dirty="0" smtClean="0"/>
-              <a:t>－</a:t>
-            </a:r>
-            <a:r>
-              <a:rPr lang="zh-CN" altLang="en-US" sz="2400" dirty="0" smtClean="0"/>
-              <a:t>长）</a:t>
-            </a:r>
-            <a:r>
-              <a:rPr lang="en-US" altLang="zh-CN" sz="2400" dirty="0" smtClean="0"/>
-              <a:t>÷2</a:t>
-            </a:r>
-            <a:endParaRPr lang="en-US" altLang="zh-CN" sz="2400" dirty="0" smtClean="0"/>
-          </a:p>
-          <a:p>
-            <a:r>
-              <a:rPr lang="en-US" altLang="zh-CN" sz="2400" dirty="0" smtClean="0"/>
-              <a:t>	       </a:t>
-            </a:r>
-            <a:r>
-              <a:rPr lang="en-US" altLang="zh-CN" sz="2400" dirty="0" smtClean="0"/>
-              <a:t>  = </a:t>
-            </a:r>
-            <a:r>
-              <a:rPr lang="zh-CN" altLang="en-US" sz="2400" dirty="0" smtClean="0"/>
-              <a:t>（</a:t>
-            </a:r>
-            <a:r>
-              <a:rPr lang="en-US" altLang="zh-CN" sz="2400" dirty="0" smtClean="0"/>
-              <a:t>40-14-14</a:t>
-            </a:r>
-            <a:r>
-              <a:rPr lang="zh-CN" altLang="en-US" sz="2400" dirty="0" smtClean="0"/>
-              <a:t>）</a:t>
-            </a:r>
-            <a:r>
-              <a:rPr lang="en-US" altLang="zh-CN" sz="2400" dirty="0" smtClean="0"/>
-              <a:t>÷2</a:t>
-            </a:r>
-            <a:endParaRPr lang="en-US" altLang="zh-CN" sz="2400" dirty="0" smtClean="0"/>
-          </a:p>
-          <a:p>
-            <a:r>
-              <a:rPr lang="en-US" altLang="zh-CN" sz="2400" dirty="0" smtClean="0"/>
-              <a:t>                 </a:t>
-            </a:r>
-            <a:r>
-              <a:rPr lang="en-US" altLang="zh-CN" sz="2400" dirty="0" smtClean="0"/>
-              <a:t>   =12÷2</a:t>
-            </a:r>
-            <a:endParaRPr lang="en-US" altLang="zh-CN" sz="2400" dirty="0" smtClean="0"/>
-          </a:p>
-          <a:p>
-            <a:r>
-              <a:rPr lang="en-US" altLang="zh-CN" sz="2400" dirty="0" smtClean="0"/>
-              <a:t>                 </a:t>
-            </a:r>
-            <a:r>
-              <a:rPr lang="en-US" altLang="zh-CN" sz="2400" dirty="0" smtClean="0"/>
-              <a:t>   =</a:t>
-            </a:r>
-            <a:r>
-              <a:rPr lang="en-US" altLang="zh-CN" sz="2400" dirty="0" smtClean="0"/>
-              <a:t>6</a:t>
-            </a:r>
-            <a:r>
-              <a:rPr lang="zh-CN" altLang="en-US" sz="2400" dirty="0" smtClean="0"/>
-              <a:t>（</a:t>
-            </a:r>
-            <a:r>
-              <a:rPr lang="zh-CN" altLang="en-US" sz="2400" dirty="0" smtClean="0"/>
-              <a:t>厘米</a:t>
-            </a:r>
-            <a:r>
-              <a:rPr lang="zh-CN" altLang="en-US" sz="2400" dirty="0" smtClean="0"/>
-              <a:t>）</a:t>
-            </a:r>
-            <a:endParaRPr lang="en-US" altLang="zh-CN" sz="2400" dirty="0" smtClean="0"/>
-          </a:p>
-          <a:p>
-            <a:r>
-              <a:rPr lang="en-US" altLang="zh-CN" sz="2400" dirty="0" smtClean="0"/>
-              <a:t>          </a:t>
-            </a:r>
-            <a:r>
-              <a:rPr lang="en-US" altLang="zh-CN" sz="2400" dirty="0" smtClean="0"/>
-              <a:t>         </a:t>
-            </a:r>
-            <a:r>
-              <a:rPr lang="zh-CN" altLang="en-US" sz="2400" dirty="0" smtClean="0"/>
-              <a:t>答：</a:t>
-            </a:r>
-            <a:r>
-              <a:rPr lang="zh-CN" altLang="en-US" sz="2400" dirty="0" smtClean="0"/>
-              <a:t>长方形的宽</a:t>
-            </a:r>
-            <a:r>
-              <a:rPr lang="zh-CN" altLang="en-US" sz="2400" dirty="0" smtClean="0"/>
-              <a:t>是</a:t>
-            </a:r>
-            <a:r>
-              <a:rPr lang="en-US" altLang="zh-CN" sz="2400" dirty="0" smtClean="0"/>
-              <a:t>6</a:t>
-            </a:r>
-            <a:r>
-              <a:rPr lang="zh-CN" altLang="en-US" sz="2400" dirty="0" smtClean="0"/>
-              <a:t>厘米。</a:t>
-            </a:r>
-            <a:endParaRPr lang="zh-CN" altLang="en-US" sz="2400" dirty="0"/>
-          </a:p>
-        </p:txBody>
-      </p:sp>
+        </p:spPr>
+      </p:pic>
     </p:spTree>
   </p:cSld>
   <p:clrMapOvr>
@@ -5522,20 +5756,12 @@
           <a:lstStyle/>
           <a:p>
             <a:r>
+              <a:rPr lang="zh-CN" altLang="en-US" dirty="0" smtClean="0"/>
+              <a:t>典型例题</a:t>
+            </a:r>
+            <a:r>
               <a:rPr lang="en-US" altLang="zh-CN" dirty="0" smtClean="0"/>
-              <a:t>G3AU7T01 </a:t>
-            </a:r>
-            <a:r>
-              <a:rPr lang="zh-CN" altLang="en-US" dirty="0" smtClean="0"/>
-              <a:t>巩固练习</a:t>
-            </a:r>
-            <a:r>
-              <a:rPr lang="en-US" altLang="zh-CN" dirty="0" smtClean="0"/>
-              <a:t>1</a:t>
-            </a:r>
-            <a:r>
-              <a:rPr lang="zh-CN" altLang="en-US" dirty="0" smtClean="0"/>
-              <a:t> </a:t>
+              <a:t>2 G3AU7E01 </a:t>
             </a:r>
             <a:endParaRPr lang="zh-CN" altLang="en-US" dirty="0" smtClean="0"/>
           </a:p>
@@ -5626,7 +5852,7 @@
         <p:spPr bwMode="auto">
           <a:xfrm>
             <a:off x="571472" y="928670"/>
-            <a:ext cx="8215370" cy="4893647"/>
+            <a:ext cx="8215370" cy="1200329"/>
           </a:xfrm>
           <a:prstGeom prst="rect">
             <a:avLst/>
@@ -5644,16 +5870,746 @@
           <a:lstStyle/>
           <a:p>
             <a:r>
+              <a:rPr lang="en-US" altLang="zh-CN" sz="2400" dirty="0" smtClean="0"/>
+              <a:t>	</a:t>
+            </a:r>
+            <a:r>
               <a:rPr lang="zh-CN" altLang="en-US" sz="2400" dirty="0" smtClean="0"/>
-              <a:t>题目编号说明</a:t>
+              <a:t>用一根铁丝能围成一个边长为</a:t>
+            </a:r>
+            <a:r>
+              <a:rPr lang="en-US" altLang="zh-CN" sz="2400" dirty="0" smtClean="0"/>
+              <a:t>10</a:t>
+            </a:r>
+            <a:r>
+              <a:rPr lang="zh-CN" altLang="en-US" sz="2400" dirty="0" smtClean="0"/>
+              <a:t>厘米的正方形，如果把它改围成一个长方形，当长方形的长是</a:t>
+            </a:r>
+            <a:r>
+              <a:rPr lang="en-US" altLang="zh-CN" sz="2400" dirty="0" smtClean="0"/>
+              <a:t>14</a:t>
+            </a:r>
+            <a:r>
+              <a:rPr lang="zh-CN" altLang="en-US" sz="2400" dirty="0" smtClean="0"/>
+              <a:t>厘米时，宽是多少？</a:t>
+            </a:r>
+            <a:endParaRPr lang="zh-CN" altLang="en-US" sz="2400" dirty="0"/>
+          </a:p>
+        </p:txBody>
+      </p:sp>
+      <p:sp>
+        <p:nvSpPr>
+          <p:cNvPr id="6" name="TextBox 6"/>
+          <p:cNvSpPr>
+            <a:spLocks noChangeArrowheads="1"/>
+          </p:cNvSpPr>
+          <p:nvPr/>
+        </p:nvSpPr>
+        <p:spPr bwMode="auto">
+          <a:xfrm>
+            <a:off x="571472" y="2000240"/>
+            <a:ext cx="8215370" cy="3046988"/>
+          </a:xfrm>
+          <a:prstGeom prst="rect">
+            <a:avLst/>
+          </a:prstGeom>
+          <a:noFill/>
+          <a:ln w="9525">
+            <a:noFill/>
+            <a:miter lim="800000"/>
+          </a:ln>
+        </p:spPr>
+        <p:txBody>
+          <a:bodyPr wrap="square">
+            <a:spAutoFit/>
+          </a:bodyPr>
+          <a:lstStyle/>
+          <a:p>
+            <a:r>
+              <a:rPr lang="zh-CN" altLang="en-US" sz="2400" dirty="0" smtClean="0"/>
+              <a:t>解题思路</a:t>
+            </a:r>
+            <a:r>
+              <a:rPr lang="en-US" altLang="zh-CN" sz="2400" dirty="0" smtClean="0"/>
+              <a:t>:</a:t>
+            </a:r>
+          </a:p>
+          <a:p>
+            <a:r>
+              <a:rPr lang="zh-CN" altLang="en-US" sz="2400" dirty="0" smtClean="0"/>
+              <a:t>用围正方形的铁丝围成长方形，铁丝的长度不变，也就是正方形的周长就是长方形的周长。然后根据长方形的周长公式求长方形的宽。宽</a:t>
+            </a:r>
+            <a:r>
+              <a:rPr lang="en-US" altLang="zh-CN" sz="2400" dirty="0" smtClean="0"/>
+              <a:t>=</a:t>
+            </a:r>
+            <a:r>
+              <a:rPr lang="zh-CN" altLang="en-US" sz="2400" dirty="0" smtClean="0"/>
+              <a:t>周长</a:t>
+            </a:r>
+            <a:r>
+              <a:rPr lang="en-US" altLang="zh-CN" sz="2400" dirty="0" smtClean="0"/>
+              <a:t>÷2-</a:t>
+            </a:r>
+            <a:r>
+              <a:rPr lang="zh-CN" altLang="en-US" sz="2400" dirty="0" smtClean="0"/>
+              <a:t>长 或者宽</a:t>
+            </a:r>
+            <a:r>
+              <a:rPr lang="en-US" altLang="zh-CN" sz="2400" dirty="0" smtClean="0"/>
+              <a:t>=</a:t>
+            </a:r>
+            <a:r>
+              <a:rPr lang="zh-CN" altLang="en-US" sz="2400" dirty="0" smtClean="0"/>
+              <a:t>（周长</a:t>
+            </a:r>
+            <a:r>
+              <a:rPr lang="en-US" altLang="zh-CN" sz="2400" dirty="0" smtClean="0"/>
+              <a:t>-</a:t>
+            </a:r>
+            <a:r>
+              <a:rPr lang="zh-CN" altLang="en-US" sz="2400" dirty="0" smtClean="0"/>
+              <a:t>长</a:t>
+            </a:r>
+            <a:r>
+              <a:rPr lang="en-US" altLang="zh-CN" sz="2400" dirty="0" smtClean="0"/>
+              <a:t>-</a:t>
+            </a:r>
+            <a:r>
+              <a:rPr lang="zh-CN" altLang="en-US" sz="2400" dirty="0" smtClean="0"/>
+              <a:t>长）</a:t>
+            </a:r>
+            <a:r>
+              <a:rPr lang="en-US" altLang="zh-CN" sz="2400" dirty="0" smtClean="0"/>
+              <a:t>÷2</a:t>
+            </a:r>
+          </a:p>
+          <a:p>
+            <a:r>
+              <a:rPr lang="zh-CN" altLang="en-US" sz="2400" dirty="0" smtClean="0"/>
+              <a:t>解：</a:t>
             </a:r>
             <a:endParaRPr lang="en-US" altLang="zh-CN" sz="2400" dirty="0" smtClean="0"/>
           </a:p>
           <a:p>
+            <a:r>
+              <a:rPr lang="zh-CN" altLang="en-US" sz="2400" dirty="0" smtClean="0"/>
+              <a:t> 正方形周长</a:t>
+            </a:r>
+            <a:r>
+              <a:rPr lang="en-US" altLang="zh-CN" sz="2400" dirty="0" smtClean="0"/>
+              <a:t>=</a:t>
+            </a:r>
+            <a:r>
+              <a:rPr lang="zh-CN" altLang="en-US" sz="2400" dirty="0" smtClean="0"/>
+              <a:t>边长</a:t>
+            </a:r>
+            <a:r>
+              <a:rPr lang="en-US" altLang="zh-CN" sz="2400" dirty="0" smtClean="0"/>
+              <a:t>×4=10×4=40</a:t>
+            </a:r>
+            <a:r>
+              <a:rPr lang="zh-CN" altLang="en-US" sz="2400" dirty="0" smtClean="0"/>
+              <a:t>（厘米）</a:t>
+            </a:r>
+            <a:endParaRPr lang="en-US" altLang="zh-CN" sz="2400" dirty="0" smtClean="0"/>
+          </a:p>
+          <a:p>
+            <a:r>
+              <a:rPr lang="zh-CN" altLang="en-US" sz="2400" dirty="0" smtClean="0"/>
+              <a:t> 长方形周长</a:t>
+            </a:r>
+            <a:r>
+              <a:rPr lang="en-US" altLang="zh-CN" sz="2400" dirty="0" smtClean="0"/>
+              <a:t>=</a:t>
+            </a:r>
+            <a:r>
+              <a:rPr lang="zh-CN" altLang="en-US" sz="2400" dirty="0" smtClean="0"/>
+              <a:t>（长＋宽）</a:t>
+            </a:r>
+            <a:r>
+              <a:rPr lang="en-US" altLang="zh-CN" sz="2400" dirty="0" smtClean="0"/>
+              <a:t>×2 </a:t>
+            </a:r>
+          </a:p>
+          <a:p>
+            <a:r>
+              <a:rPr lang="en-US" altLang="zh-CN" sz="2400" dirty="0" smtClean="0"/>
+              <a:t>            </a:t>
+            </a:r>
+            <a:endParaRPr lang="zh-CN" altLang="en-US" sz="2400" dirty="0"/>
+          </a:p>
+        </p:txBody>
+      </p:sp>
+      <p:sp>
+        <p:nvSpPr>
+          <p:cNvPr id="8" name="TextBox 6"/>
+          <p:cNvSpPr>
+            <a:spLocks noChangeArrowheads="1"/>
+          </p:cNvSpPr>
+          <p:nvPr/>
+        </p:nvSpPr>
+        <p:spPr bwMode="auto">
+          <a:xfrm>
+            <a:off x="-857288" y="4572008"/>
+            <a:ext cx="7786742" cy="1938992"/>
+          </a:xfrm>
+          <a:prstGeom prst="rect">
+            <a:avLst/>
+          </a:prstGeom>
+          <a:noFill/>
+          <a:ln w="9525">
+            <a:noFill/>
+            <a:miter lim="800000"/>
+          </a:ln>
+        </p:spPr>
+        <p:txBody>
+          <a:bodyPr wrap="square">
+            <a:spAutoFit/>
+          </a:bodyPr>
+          <a:lstStyle/>
+          <a:p>
+            <a:r>
+              <a:rPr lang="en-US" altLang="zh-CN" sz="2400" dirty="0" smtClean="0"/>
+              <a:t>	        </a:t>
+            </a:r>
+            <a:r>
+              <a:rPr lang="zh-CN" altLang="en-US" sz="2400" dirty="0" smtClean="0"/>
+              <a:t>宽</a:t>
+            </a:r>
+            <a:r>
+              <a:rPr lang="en-US" altLang="zh-CN" sz="2400" dirty="0" smtClean="0"/>
+              <a:t>=</a:t>
+            </a:r>
+            <a:r>
+              <a:rPr lang="zh-CN" altLang="en-US" sz="2400" dirty="0" smtClean="0"/>
+              <a:t>（周长－长－长）</a:t>
+            </a:r>
+            <a:r>
+              <a:rPr lang="en-US" altLang="zh-CN" sz="2400" dirty="0" smtClean="0"/>
+              <a:t>÷2</a:t>
+            </a:r>
+          </a:p>
+          <a:p>
+            <a:r>
+              <a:rPr lang="en-US" altLang="zh-CN" sz="2400" dirty="0" smtClean="0"/>
+              <a:t>	         = </a:t>
+            </a:r>
+            <a:r>
+              <a:rPr lang="zh-CN" altLang="en-US" sz="2400" dirty="0" smtClean="0"/>
+              <a:t>（</a:t>
+            </a:r>
+            <a:r>
+              <a:rPr lang="en-US" altLang="zh-CN" sz="2400" dirty="0" smtClean="0"/>
+              <a:t>40-14-14</a:t>
+            </a:r>
+            <a:r>
+              <a:rPr lang="zh-CN" altLang="en-US" sz="2400" dirty="0" smtClean="0"/>
+              <a:t>）</a:t>
+            </a:r>
+            <a:r>
+              <a:rPr lang="en-US" altLang="zh-CN" sz="2400" dirty="0" smtClean="0"/>
+              <a:t>÷2</a:t>
+            </a:r>
+          </a:p>
+          <a:p>
+            <a:r>
+              <a:rPr lang="en-US" altLang="zh-CN" sz="2400" dirty="0" smtClean="0"/>
+              <a:t>                    =12÷2</a:t>
+            </a:r>
+          </a:p>
+          <a:p>
+            <a:r>
+              <a:rPr lang="en-US" altLang="zh-CN" sz="2400" dirty="0" smtClean="0"/>
+              <a:t>                    =6</a:t>
+            </a:r>
+            <a:r>
+              <a:rPr lang="zh-CN" altLang="en-US" sz="2400" dirty="0" smtClean="0"/>
+              <a:t>（厘米）</a:t>
+            </a:r>
+            <a:endParaRPr lang="en-US" altLang="zh-CN" sz="2400" dirty="0" smtClean="0"/>
+          </a:p>
+          <a:p>
+            <a:r>
+              <a:rPr lang="en-US" altLang="zh-CN" sz="2400" dirty="0" smtClean="0"/>
+              <a:t>                   </a:t>
+            </a:r>
+            <a:r>
+              <a:rPr lang="zh-CN" altLang="en-US" sz="2400" dirty="0" smtClean="0"/>
+              <a:t>答：长方形的宽是</a:t>
+            </a:r>
+            <a:r>
+              <a:rPr lang="en-US" altLang="zh-CN" sz="2400" dirty="0" smtClean="0"/>
+              <a:t>6</a:t>
+            </a:r>
+            <a:r>
+              <a:rPr lang="zh-CN" altLang="en-US" sz="2400" dirty="0" smtClean="0"/>
+              <a:t>厘米。</a:t>
+            </a:r>
+            <a:endParaRPr lang="zh-CN" altLang="en-US" sz="2400" dirty="0"/>
+          </a:p>
+        </p:txBody>
+      </p:sp>
+    </p:spTree>
+  </p:cSld>
+  <p:clrMapOvr>
+    <a:masterClrMapping/>
+  </p:clrMapOvr>
+  <p:transition/>
+  <p:timing>
+    <p:tnLst>
+      <p:par>
+        <p:cTn id="1" dur="indefinite" restart="never" nodeType="tmRoot"/>
+      </p:par>
+    </p:tnLst>
+  </p:timing>
+</p:sld>
+</file>
+
+<file path=ppt/slides/slide6.xml><?xml version="1.0" encoding="utf-8"?>
+<p:sld xmlns:a="http://schemas.openxmlformats.org/drawingml/2006/main" xmlns:r="http://schemas.openxmlformats.org/officeDocument/2006/relationships" xmlns:p="http://schemas.openxmlformats.org/presentationml/2006/main">
+  <p:cSld>
+    <p:spTree>
+      <p:nvGrpSpPr>
+        <p:cNvPr id="1" name=""/>
+        <p:cNvGrpSpPr/>
+        <p:nvPr/>
+      </p:nvGrpSpPr>
+      <p:grpSpPr>
+        <a:xfrm>
+          <a:off x="0" y="0"/>
+          <a:ext cx="0" cy="0"/>
+          <a:chOff x="0" y="0"/>
+          <a:chExt cx="0" cy="0"/>
+        </a:xfrm>
+      </p:grpSpPr>
+      <p:sp>
+        <p:nvSpPr>
+          <p:cNvPr id="3074" name="标题 2"/>
+          <p:cNvSpPr>
+            <a:spLocks noGrp="1" noChangeArrowheads="1"/>
+          </p:cNvSpPr>
+          <p:nvPr>
+            <p:ph type="title" idx="4294967295"/>
+          </p:nvPr>
+        </p:nvSpPr>
+        <p:spPr/>
+        <p:txBody>
+          <a:bodyPr/>
+          <a:lstStyle/>
+          <a:p>
+            <a:r>
+              <a:rPr lang="zh-CN" altLang="en-US" dirty="0" smtClean="0"/>
+              <a:t>巩固练习</a:t>
+            </a:r>
+            <a:r>
+              <a:rPr lang="en-US" altLang="zh-CN" dirty="0" smtClean="0"/>
+              <a:t>2</a:t>
+            </a:r>
+            <a:r>
+              <a:rPr lang="zh-CN" altLang="en-US" dirty="0" smtClean="0"/>
+              <a:t> </a:t>
+            </a:r>
+            <a:r>
+              <a:rPr lang="en-US" altLang="zh-CN" dirty="0" smtClean="0"/>
+              <a:t>G3AU7T02 </a:t>
+            </a:r>
+            <a:endParaRPr lang="zh-CN" altLang="en-US" dirty="0" smtClean="0"/>
+          </a:p>
+        </p:txBody>
+      </p:sp>
+      <p:sp>
+        <p:nvSpPr>
+          <p:cNvPr id="3075" name="矩形 6"/>
+          <p:cNvSpPr>
+            <a:spLocks noChangeArrowheads="1"/>
+          </p:cNvSpPr>
+          <p:nvPr/>
+        </p:nvSpPr>
+        <p:spPr bwMode="auto">
+          <a:xfrm>
+            <a:off x="1196975" y="6026150"/>
+            <a:ext cx="111125" cy="280988"/>
+          </a:xfrm>
+          <a:prstGeom prst="rect">
+            <a:avLst/>
+          </a:prstGeom>
+          <a:solidFill>
+            <a:srgbClr val="FFFFFF"/>
+          </a:solidFill>
+          <a:ln w="9525">
+            <a:noFill/>
+            <a:miter lim="800000"/>
+          </a:ln>
+        </p:spPr>
+        <p:txBody>
+          <a:bodyPr/>
+          <a:lstStyle/>
+          <a:p>
+            <a:endParaRPr lang="zh-CN" altLang="zh-CN">
+              <a:solidFill>
+                <a:srgbClr val="000000"/>
+              </a:solidFill>
+              <a:ea typeface="黑体" pitchFamily="49" charset="-122"/>
+            </a:endParaRPr>
+          </a:p>
+        </p:txBody>
+      </p:sp>
+      <p:sp>
+        <p:nvSpPr>
+          <p:cNvPr id="3076" name="矩形 7"/>
+          <p:cNvSpPr>
+            <a:spLocks noChangeArrowheads="1"/>
+          </p:cNvSpPr>
+          <p:nvPr/>
+        </p:nvSpPr>
+        <p:spPr bwMode="auto">
+          <a:xfrm>
+            <a:off x="3121025" y="6022975"/>
+            <a:ext cx="111125" cy="280988"/>
+          </a:xfrm>
+          <a:prstGeom prst="rect">
+            <a:avLst/>
+          </a:prstGeom>
+          <a:solidFill>
+            <a:srgbClr val="FFFFFF"/>
+          </a:solidFill>
+          <a:ln w="9525">
+            <a:noFill/>
+            <a:miter lim="800000"/>
+          </a:ln>
+        </p:spPr>
+        <p:txBody>
+          <a:bodyPr/>
+          <a:lstStyle/>
+          <a:p>
+            <a:endParaRPr lang="zh-CN" altLang="zh-CN">
+              <a:solidFill>
+                <a:srgbClr val="000000"/>
+              </a:solidFill>
+              <a:ea typeface="黑体" pitchFamily="49" charset="-122"/>
+            </a:endParaRPr>
+          </a:p>
+        </p:txBody>
+      </p:sp>
+      <p:sp>
+        <p:nvSpPr>
+          <p:cNvPr id="3077" name="TextBox 6"/>
+          <p:cNvSpPr>
+            <a:spLocks noChangeArrowheads="1"/>
+          </p:cNvSpPr>
+          <p:nvPr/>
+        </p:nvSpPr>
+        <p:spPr bwMode="auto">
+          <a:xfrm>
+            <a:off x="571472" y="928670"/>
+            <a:ext cx="8215370" cy="830997"/>
+          </a:xfrm>
+          <a:prstGeom prst="rect">
+            <a:avLst/>
+          </a:prstGeom>
+          <a:noFill/>
+          <a:ln w="9525">
+            <a:noFill/>
+            <a:miter lim="800000"/>
+          </a:ln>
+        </p:spPr>
+        <p:txBody>
+          <a:bodyPr wrap="square">
+            <a:spAutoFit/>
+          </a:bodyPr>
+          <a:lstStyle/>
+          <a:p>
+            <a:r>
+              <a:rPr lang="en-US" altLang="zh-CN" sz="2400" dirty="0" smtClean="0"/>
+              <a:t>	</a:t>
+            </a:r>
+            <a:r>
+              <a:rPr lang="zh-CN" altLang="en-US" sz="2400" dirty="0" smtClean="0"/>
+              <a:t>小明用一根线在钉子板上围了一个长</a:t>
+            </a:r>
+            <a:r>
+              <a:rPr lang="en-US" altLang="zh-CN" sz="2400" dirty="0" smtClean="0"/>
+              <a:t>7</a:t>
+            </a:r>
+            <a:r>
+              <a:rPr lang="zh-CN" altLang="en-US" sz="2400" dirty="0" smtClean="0"/>
+              <a:t>厘米、宽</a:t>
+            </a:r>
+            <a:r>
+              <a:rPr lang="en-US" altLang="zh-CN" sz="2400" dirty="0" smtClean="0"/>
+              <a:t>2</a:t>
+            </a:r>
+            <a:r>
+              <a:rPr lang="zh-CN" altLang="en-US" sz="2400" dirty="0" smtClean="0"/>
+              <a:t>厘米的长方形，用这根线能否围成一个边长是</a:t>
+            </a:r>
+            <a:r>
+              <a:rPr lang="en-US" altLang="zh-CN" sz="2400" dirty="0" smtClean="0"/>
+              <a:t>4</a:t>
+            </a:r>
+            <a:r>
+              <a:rPr lang="zh-CN" altLang="en-US" sz="2400" dirty="0" smtClean="0"/>
+              <a:t>厘米的正方形？</a:t>
+            </a:r>
+            <a:endParaRPr lang="zh-CN" altLang="en-US" sz="2400" dirty="0"/>
+          </a:p>
+        </p:txBody>
+      </p:sp>
+      <p:sp>
+        <p:nvSpPr>
+          <p:cNvPr id="6" name="TextBox 5"/>
+          <p:cNvSpPr txBox="1"/>
+          <p:nvPr/>
+        </p:nvSpPr>
+        <p:spPr>
+          <a:xfrm>
+            <a:off x="4929190" y="3714752"/>
+            <a:ext cx="2954655" cy="646331"/>
+          </a:xfrm>
+          <a:prstGeom prst="rect">
+            <a:avLst/>
+          </a:prstGeom>
+          <a:noFill/>
+        </p:spPr>
+        <p:txBody>
+          <a:bodyPr wrap="none" rtlCol="0">
+            <a:spAutoFit/>
+          </a:bodyPr>
+          <a:lstStyle/>
+          <a:p>
+            <a:r>
+              <a:rPr lang="zh-CN" altLang="en-US" dirty="0" smtClean="0"/>
+              <a:t>添加微信获取家辅手册材料</a:t>
+            </a:r>
+            <a:endParaRPr lang="en-US" altLang="zh-CN" dirty="0" smtClean="0"/>
+          </a:p>
+          <a:p>
+            <a:r>
+              <a:rPr lang="zh-CN" altLang="en-US" dirty="0" smtClean="0"/>
+              <a:t>及更多相关课程资讯</a:t>
+            </a:r>
+            <a:endParaRPr lang="zh-CN" altLang="en-US" dirty="0"/>
+          </a:p>
+        </p:txBody>
+      </p:sp>
+      <p:pic>
+        <p:nvPicPr>
+          <p:cNvPr id="7" name="图片 6" descr="学习管家.jpg"/>
+          <p:cNvPicPr>
+            <a:picLocks noChangeAspect="1"/>
+          </p:cNvPicPr>
+          <p:nvPr/>
+        </p:nvPicPr>
+        <p:blipFill>
+          <a:blip r:embed="rId3"/>
+          <a:stretch>
+            <a:fillRect/>
+          </a:stretch>
+        </p:blipFill>
+        <p:spPr>
+          <a:xfrm>
+            <a:off x="2285984" y="3143248"/>
+            <a:ext cx="2333627" cy="2333627"/>
+          </a:xfrm>
+          <a:prstGeom prst="rect">
+            <a:avLst/>
+          </a:prstGeom>
+        </p:spPr>
+      </p:pic>
+    </p:spTree>
+  </p:cSld>
+  <p:clrMapOvr>
+    <a:masterClrMapping/>
+  </p:clrMapOvr>
+  <p:transition/>
+  <p:timing>
+    <p:tnLst>
+      <p:par>
+        <p:cTn id="1" dur="indefinite" restart="never" nodeType="tmRoot"/>
+      </p:par>
+    </p:tnLst>
+  </p:timing>
+</p:sld>
+</file>
+
+<file path=ppt/slides/slide7.xml><?xml version="1.0" encoding="utf-8"?>
+<p:sld xmlns:a="http://schemas.openxmlformats.org/drawingml/2006/main" xmlns:r="http://schemas.openxmlformats.org/officeDocument/2006/relationships" xmlns:p="http://schemas.openxmlformats.org/presentationml/2006/main">
+  <p:cSld>
+    <p:spTree>
+      <p:nvGrpSpPr>
+        <p:cNvPr id="1" name=""/>
+        <p:cNvGrpSpPr/>
+        <p:nvPr/>
+      </p:nvGrpSpPr>
+      <p:grpSpPr>
+        <a:xfrm>
+          <a:off x="0" y="0"/>
+          <a:ext cx="0" cy="0"/>
+          <a:chOff x="0" y="0"/>
+          <a:chExt cx="0" cy="0"/>
+        </a:xfrm>
+      </p:grpSpPr>
+      <p:sp>
+        <p:nvSpPr>
+          <p:cNvPr id="3074" name="标题 2"/>
+          <p:cNvSpPr>
+            <a:spLocks noGrp="1" noChangeArrowheads="1"/>
+          </p:cNvSpPr>
+          <p:nvPr>
+            <p:ph type="title" idx="4294967295"/>
+          </p:nvPr>
+        </p:nvSpPr>
+        <p:spPr/>
+        <p:txBody>
+          <a:bodyPr/>
+          <a:lstStyle/>
+          <a:p>
+            <a:r>
+              <a:rPr lang="zh-CN" altLang="en-US" dirty="0" smtClean="0"/>
+              <a:t>说明</a:t>
+            </a:r>
+          </a:p>
+        </p:txBody>
+      </p:sp>
+      <p:sp>
+        <p:nvSpPr>
+          <p:cNvPr id="3075" name="矩形 6"/>
+          <p:cNvSpPr>
+            <a:spLocks noChangeArrowheads="1"/>
+          </p:cNvSpPr>
+          <p:nvPr/>
+        </p:nvSpPr>
+        <p:spPr bwMode="auto">
+          <a:xfrm>
+            <a:off x="1196975" y="6026150"/>
+            <a:ext cx="111125" cy="280988"/>
+          </a:xfrm>
+          <a:prstGeom prst="rect">
+            <a:avLst/>
+          </a:prstGeom>
+          <a:solidFill>
+            <a:srgbClr val="FFFFFF"/>
+          </a:solidFill>
+          <a:ln w="9525">
+            <a:noFill/>
+            <a:miter lim="800000"/>
+          </a:ln>
+        </p:spPr>
+        <p:txBody>
+          <a:bodyPr/>
+          <a:lstStyle/>
+          <a:p>
+            <a:endParaRPr lang="zh-CN" altLang="zh-CN">
+              <a:solidFill>
+                <a:srgbClr val="000000"/>
+              </a:solidFill>
+              <a:ea typeface="黑体" pitchFamily="49" charset="-122"/>
+            </a:endParaRPr>
+          </a:p>
+        </p:txBody>
+      </p:sp>
+      <p:sp>
+        <p:nvSpPr>
+          <p:cNvPr id="3076" name="矩形 7"/>
+          <p:cNvSpPr>
+            <a:spLocks noChangeArrowheads="1"/>
+          </p:cNvSpPr>
+          <p:nvPr/>
+        </p:nvSpPr>
+        <p:spPr bwMode="auto">
+          <a:xfrm>
+            <a:off x="3121025" y="6022975"/>
+            <a:ext cx="111125" cy="280988"/>
+          </a:xfrm>
+          <a:prstGeom prst="rect">
+            <a:avLst/>
+          </a:prstGeom>
+          <a:solidFill>
+            <a:srgbClr val="FFFFFF"/>
+          </a:solidFill>
+          <a:ln w="9525">
+            <a:noFill/>
+            <a:miter lim="800000"/>
+          </a:ln>
+        </p:spPr>
+        <p:txBody>
+          <a:bodyPr/>
+          <a:lstStyle/>
+          <a:p>
+            <a:endParaRPr lang="zh-CN" altLang="zh-CN">
+              <a:solidFill>
+                <a:srgbClr val="000000"/>
+              </a:solidFill>
+              <a:ea typeface="黑体" pitchFamily="49" charset="-122"/>
+            </a:endParaRPr>
+          </a:p>
+        </p:txBody>
+      </p:sp>
+      <p:sp>
+        <p:nvSpPr>
+          <p:cNvPr id="3077" name="TextBox 6"/>
+          <p:cNvSpPr>
+            <a:spLocks noChangeArrowheads="1"/>
+          </p:cNvSpPr>
+          <p:nvPr/>
+        </p:nvSpPr>
+        <p:spPr bwMode="auto">
+          <a:xfrm>
+            <a:off x="571472" y="928670"/>
+            <a:ext cx="8215370" cy="4524315"/>
+          </a:xfrm>
+          <a:prstGeom prst="rect">
+            <a:avLst/>
+          </a:prstGeom>
+          <a:noFill/>
+          <a:ln w="9525">
+            <a:noFill/>
+            <a:miter lim="800000"/>
+          </a:ln>
+        </p:spPr>
+        <p:txBody>
+          <a:bodyPr wrap="square">
+            <a:spAutoFit/>
+          </a:bodyPr>
+          <a:lstStyle/>
+          <a:p>
+            <a:r>
+              <a:rPr lang="zh-CN" altLang="en-US" sz="2400" dirty="0" smtClean="0"/>
+              <a:t>本文档</a:t>
+            </a:r>
+            <a:r>
+              <a:rPr lang="zh-CN" altLang="en-US" sz="2400" dirty="0" smtClean="0"/>
+              <a:t>包括学习目标导航、典型例题、巩固练习三部分。</a:t>
+            </a:r>
+            <a:endParaRPr lang="en-US" altLang="zh-CN" sz="2400" dirty="0" smtClean="0"/>
+          </a:p>
+          <a:p>
+            <a:r>
+              <a:rPr lang="zh-CN" altLang="en-US" sz="2400" dirty="0" smtClean="0"/>
+              <a:t>题目</a:t>
+            </a:r>
+            <a:r>
+              <a:rPr lang="zh-CN" altLang="en-US" sz="2400" dirty="0" smtClean="0"/>
+              <a:t>编号</a:t>
+            </a:r>
+            <a:r>
+              <a:rPr lang="zh-CN" altLang="en-US" sz="2400" dirty="0" smtClean="0"/>
+              <a:t>说明</a:t>
+            </a:r>
+            <a:r>
+              <a:rPr lang="en-US" altLang="zh-CN" sz="2400" dirty="0" smtClean="0"/>
+              <a:t> </a:t>
+            </a:r>
+            <a:r>
+              <a:rPr lang="zh-CN" altLang="en-US" sz="2400" dirty="0" smtClean="0"/>
+              <a:t>如</a:t>
+            </a:r>
             <a:r>
               <a:rPr lang="en-US" altLang="zh-CN" sz="2400" dirty="0" smtClean="0"/>
               <a:t>G3AU7T01</a:t>
             </a:r>
+            <a:endParaRPr lang="en-US" altLang="zh-CN" sz="2400" dirty="0" smtClean="0"/>
           </a:p>
           <a:p>
             <a:r>
@@ -5672,9 +6628,10 @@
               <a:rPr lang="zh-CN" altLang="en-US" sz="2400" dirty="0" smtClean="0"/>
               <a:t>年级</a:t>
             </a:r>
-            <a:endParaRPr lang="en-US" altLang="zh-CN" sz="2400" dirty="0" smtClean="0"/>
-          </a:p>
-          <a:p>
+            <a:r>
+              <a:rPr lang="en-US" altLang="zh-CN" sz="2400" dirty="0" smtClean="0"/>
+              <a:t> </a:t>
+            </a:r>
             <a:r>
               <a:rPr lang="en-US" altLang="zh-CN" sz="2400" dirty="0" smtClean="0"/>
               <a:t>A</a:t>
@@ -5688,7 +6645,11 @@
           <a:p>
             <a:r>
               <a:rPr lang="en-US" altLang="zh-CN" sz="2400" dirty="0" smtClean="0"/>
-              <a:t>U</a:t>
+              <a:t>U7</a:t>
+            </a:r>
+            <a:r>
+              <a:rPr lang="zh-CN" altLang="en-US" sz="2400" dirty="0" smtClean="0"/>
+              <a:t>表示</a:t>
             </a:r>
             <a:r>
               <a:rPr lang="en-US" altLang="zh-CN" sz="2400" dirty="0" smtClean="0"/>
@@ -5696,15 +6657,7 @@
             </a:r>
             <a:r>
               <a:rPr lang="zh-CN" altLang="en-US" sz="2400" dirty="0" smtClean="0"/>
-              <a:t>表示</a:t>
-            </a:r>
-            <a:r>
-              <a:rPr lang="en-US" altLang="zh-CN" sz="2400" dirty="0" smtClean="0"/>
-              <a:t>7</a:t>
-            </a:r>
-            <a:r>
-              <a:rPr lang="zh-CN" altLang="en-US" sz="2400" dirty="0" smtClean="0"/>
-              <a:t>担忧</a:t>
+              <a:t>单元</a:t>
             </a:r>
             <a:endParaRPr lang="en-US" altLang="zh-CN" sz="2400" dirty="0" smtClean="0"/>
           </a:p>
@@ -5737,7 +6690,6 @@
               <a:rPr lang="en-US" altLang="zh-CN" sz="2400" dirty="0" smtClean="0"/>
               <a:t>……99</a:t>
             </a:r>
-            <a:endParaRPr lang="en-US" altLang="zh-CN" sz="2400" dirty="0" smtClean="0"/>
           </a:p>
           <a:p>
             <a:r>
@@ -5775,7 +6727,11 @@
           <a:p>
             <a:r>
               <a:rPr lang="zh-CN" altLang="en-US" sz="2400" dirty="0" smtClean="0"/>
-              <a:t>每一页一道例题</a:t>
+              <a:t>每一页</a:t>
+            </a:r>
+            <a:r>
+              <a:rPr lang="zh-CN" altLang="en-US" sz="2400" dirty="0" smtClean="0"/>
+              <a:t>一道题</a:t>
             </a:r>
             <a:endParaRPr lang="en-US" altLang="zh-CN" sz="2400" dirty="0" smtClean="0"/>
           </a:p>
